--- a/study/14_Minimum Spanning Tree, Kruskal.pptx
+++ b/study/14_Minimum Spanning Tree, Kruskal.pptx
@@ -5,7 +5,7 @@
     <p:sldMasterId id="2147483648" r:id="rId1"/>
   </p:sldMasterIdLst>
   <p:notesMasterIdLst>
-    <p:notesMasterId r:id="rId23"/>
+    <p:notesMasterId r:id="rId27"/>
   </p:notesMasterIdLst>
   <p:sldIdLst>
     <p:sldId id="256" r:id="rId2"/>
@@ -26,9 +26,13 @@
     <p:sldId id="537" r:id="rId17"/>
     <p:sldId id="538" r:id="rId18"/>
     <p:sldId id="493" r:id="rId19"/>
-    <p:sldId id="540" r:id="rId20"/>
-    <p:sldId id="541" r:id="rId21"/>
-    <p:sldId id="298" r:id="rId22"/>
+    <p:sldId id="542" r:id="rId20"/>
+    <p:sldId id="543" r:id="rId21"/>
+    <p:sldId id="544" r:id="rId22"/>
+    <p:sldId id="545" r:id="rId23"/>
+    <p:sldId id="540" r:id="rId24"/>
+    <p:sldId id="541" r:id="rId25"/>
+    <p:sldId id="298" r:id="rId26"/>
   </p:sldIdLst>
   <p:sldSz cx="12192000" cy="6858000"/>
   <p:notesSz cx="6858000" cy="9144000"/>
@@ -217,7 +221,7 @@
           <a:p>
             <a:fld id="{20CE4FC2-6BB1-4C56-9061-DDAE668150E6}" type="datetimeFigureOut">
               <a:rPr lang="ko-KR" altLang="en-US" smtClean="0"/>
-              <a:t>2022-11-17</a:t>
+              <a:t>2022-11-18</a:t>
             </a:fld>
             <a:endParaRPr lang="ko-KR" altLang="en-US"/>
           </a:p>
@@ -631,7 +635,7 @@
           <a:p>
             <a:fld id="{33C37291-AA83-40C0-9297-8F7F3693F6CC}" type="datetimeFigureOut">
               <a:rPr lang="ko-KR" altLang="en-US" smtClean="0"/>
-              <a:t>2022-11-17</a:t>
+              <a:t>2022-11-18</a:t>
             </a:fld>
             <a:endParaRPr lang="ko-KR" altLang="en-US"/>
           </a:p>
@@ -829,7 +833,7 @@
           <a:p>
             <a:fld id="{33C37291-AA83-40C0-9297-8F7F3693F6CC}" type="datetimeFigureOut">
               <a:rPr lang="ko-KR" altLang="en-US" smtClean="0"/>
-              <a:t>2022-11-17</a:t>
+              <a:t>2022-11-18</a:t>
             </a:fld>
             <a:endParaRPr lang="ko-KR" altLang="en-US"/>
           </a:p>
@@ -1037,7 +1041,7 @@
           <a:p>
             <a:fld id="{33C37291-AA83-40C0-9297-8F7F3693F6CC}" type="datetimeFigureOut">
               <a:rPr lang="ko-KR" altLang="en-US" smtClean="0"/>
-              <a:t>2022-11-17</a:t>
+              <a:t>2022-11-18</a:t>
             </a:fld>
             <a:endParaRPr lang="ko-KR" altLang="en-US"/>
           </a:p>
@@ -1235,7 +1239,7 @@
           <a:p>
             <a:fld id="{33C37291-AA83-40C0-9297-8F7F3693F6CC}" type="datetimeFigureOut">
               <a:rPr lang="ko-KR" altLang="en-US" smtClean="0"/>
-              <a:t>2022-11-17</a:t>
+              <a:t>2022-11-18</a:t>
             </a:fld>
             <a:endParaRPr lang="ko-KR" altLang="en-US"/>
           </a:p>
@@ -1510,7 +1514,7 @@
           <a:p>
             <a:fld id="{33C37291-AA83-40C0-9297-8F7F3693F6CC}" type="datetimeFigureOut">
               <a:rPr lang="ko-KR" altLang="en-US" smtClean="0"/>
-              <a:t>2022-11-17</a:t>
+              <a:t>2022-11-18</a:t>
             </a:fld>
             <a:endParaRPr lang="ko-KR" altLang="en-US"/>
           </a:p>
@@ -1775,7 +1779,7 @@
           <a:p>
             <a:fld id="{33C37291-AA83-40C0-9297-8F7F3693F6CC}" type="datetimeFigureOut">
               <a:rPr lang="ko-KR" altLang="en-US" smtClean="0"/>
-              <a:t>2022-11-17</a:t>
+              <a:t>2022-11-18</a:t>
             </a:fld>
             <a:endParaRPr lang="ko-KR" altLang="en-US"/>
           </a:p>
@@ -2187,7 +2191,7 @@
           <a:p>
             <a:fld id="{33C37291-AA83-40C0-9297-8F7F3693F6CC}" type="datetimeFigureOut">
               <a:rPr lang="ko-KR" altLang="en-US" smtClean="0"/>
-              <a:t>2022-11-17</a:t>
+              <a:t>2022-11-18</a:t>
             </a:fld>
             <a:endParaRPr lang="ko-KR" altLang="en-US"/>
           </a:p>
@@ -2328,7 +2332,7 @@
           <a:p>
             <a:fld id="{33C37291-AA83-40C0-9297-8F7F3693F6CC}" type="datetimeFigureOut">
               <a:rPr lang="ko-KR" altLang="en-US" smtClean="0"/>
-              <a:t>2022-11-17</a:t>
+              <a:t>2022-11-18</a:t>
             </a:fld>
             <a:endParaRPr lang="ko-KR" altLang="en-US"/>
           </a:p>
@@ -2441,7 +2445,7 @@
           <a:p>
             <a:fld id="{33C37291-AA83-40C0-9297-8F7F3693F6CC}" type="datetimeFigureOut">
               <a:rPr lang="ko-KR" altLang="en-US" smtClean="0"/>
-              <a:t>2022-11-17</a:t>
+              <a:t>2022-11-18</a:t>
             </a:fld>
             <a:endParaRPr lang="ko-KR" altLang="en-US"/>
           </a:p>
@@ -2752,7 +2756,7 @@
           <a:p>
             <a:fld id="{33C37291-AA83-40C0-9297-8F7F3693F6CC}" type="datetimeFigureOut">
               <a:rPr lang="ko-KR" altLang="en-US" smtClean="0"/>
-              <a:t>2022-11-17</a:t>
+              <a:t>2022-11-18</a:t>
             </a:fld>
             <a:endParaRPr lang="ko-KR" altLang="en-US"/>
           </a:p>
@@ -3040,7 +3044,7 @@
           <a:p>
             <a:fld id="{33C37291-AA83-40C0-9297-8F7F3693F6CC}" type="datetimeFigureOut">
               <a:rPr lang="ko-KR" altLang="en-US" smtClean="0"/>
-              <a:t>2022-11-17</a:t>
+              <a:t>2022-11-18</a:t>
             </a:fld>
             <a:endParaRPr lang="ko-KR" altLang="en-US"/>
           </a:p>
@@ -3281,7 +3285,7 @@
           <a:p>
             <a:fld id="{33C37291-AA83-40C0-9297-8F7F3693F6CC}" type="datetimeFigureOut">
               <a:rPr lang="ko-KR" altLang="en-US" smtClean="0"/>
-              <a:t>2022-11-17</a:t>
+              <a:t>2022-11-18</a:t>
             </a:fld>
             <a:endParaRPr lang="ko-KR" altLang="en-US"/>
           </a:p>
@@ -12018,6 +12022,36 @@
           </a:prstGeom>
         </p:spPr>
       </p:pic>
+      <p:pic>
+        <p:nvPicPr>
+          <p:cNvPr id="3" name="그림 2">
+            <a:extLst>
+              <a:ext uri="{FF2B5EF4-FFF2-40B4-BE49-F238E27FC236}">
+                <a16:creationId xmlns:a16="http://schemas.microsoft.com/office/drawing/2014/main" id="{6D392FFE-C88F-4E30-9C21-CAFEB2FB648E}"/>
+              </a:ext>
+            </a:extLst>
+          </p:cNvPr>
+          <p:cNvPicPr>
+            <a:picLocks noChangeAspect="1"/>
+          </p:cNvPicPr>
+          <p:nvPr/>
+        </p:nvPicPr>
+        <p:blipFill>
+          <a:blip r:embed="rId3"/>
+          <a:stretch>
+            <a:fillRect/>
+          </a:stretch>
+        </p:blipFill>
+        <p:spPr>
+          <a:xfrm>
+            <a:off x="331694" y="1006220"/>
+            <a:ext cx="10936226" cy="5391902"/>
+          </a:xfrm>
+          <a:prstGeom prst="rect">
+            <a:avLst/>
+          </a:prstGeom>
+        </p:spPr>
+      </p:pic>
     </p:spTree>
     <p:extLst>
       <p:ext uri="{BB962C8B-B14F-4D97-AF65-F5344CB8AC3E}">
@@ -12107,7 +12141,7 @@
         <p:spPr>
           <a:xfrm>
             <a:off x="331694" y="177505"/>
-            <a:ext cx="7693132" cy="523220"/>
+            <a:ext cx="7603363" cy="523220"/>
           </a:xfrm>
           <a:prstGeom prst="rect">
             <a:avLst/>
@@ -12125,14 +12159,14 @@
                 <a:latin typeface="나눔스퀘어 Bold" panose="020B0600000101010101" pitchFamily="50" charset="-127"/>
                 <a:ea typeface="나눔스퀘어 Bold" panose="020B0600000101010101" pitchFamily="50" charset="-127"/>
               </a:rPr>
-              <a:t>Minimum Spanning Tree – 1647 </a:t>
+              <a:t>Minimum Spanning Tree – 1922 </a:t>
             </a:r>
             <a:r>
               <a:rPr lang="ko-KR" altLang="en-US" sz="2800" dirty="0">
                 <a:latin typeface="나눔스퀘어 Bold" panose="020B0600000101010101" pitchFamily="50" charset="-127"/>
                 <a:ea typeface="나눔스퀘어 Bold" panose="020B0600000101010101" pitchFamily="50" charset="-127"/>
               </a:rPr>
-              <a:t>도시 분할 계획</a:t>
+              <a:t>네트워크 연결</a:t>
             </a:r>
           </a:p>
         </p:txBody>
@@ -12159,7 +12193,7 @@
         </p:blipFill>
         <p:spPr>
           <a:xfrm>
-            <a:off x="7905747" y="296220"/>
+            <a:off x="7815978" y="296220"/>
             <a:ext cx="238158" cy="285790"/>
           </a:xfrm>
           <a:prstGeom prst="rect">
@@ -12167,10 +12201,176 @@
           </a:prstGeom>
         </p:spPr>
       </p:pic>
+      <p:sp>
+        <p:nvSpPr>
+          <p:cNvPr id="7" name="TextBox 6">
+            <a:extLst>
+              <a:ext uri="{FF2B5EF4-FFF2-40B4-BE49-F238E27FC236}">
+                <a16:creationId xmlns:a16="http://schemas.microsoft.com/office/drawing/2014/main" id="{79A54275-9CF2-404B-9C10-496314A444C3}"/>
+              </a:ext>
+            </a:extLst>
+          </p:cNvPr>
+          <p:cNvSpPr txBox="1"/>
+          <p:nvPr/>
+        </p:nvSpPr>
+        <p:spPr>
+          <a:xfrm>
+            <a:off x="942387" y="1352034"/>
+            <a:ext cx="10237694" cy="369332"/>
+          </a:xfrm>
+          <a:prstGeom prst="rect">
+            <a:avLst/>
+          </a:prstGeom>
+          <a:noFill/>
+        </p:spPr>
+        <p:txBody>
+          <a:bodyPr wrap="square" rtlCol="0">
+            <a:spAutoFit/>
+          </a:bodyPr>
+          <a:lstStyle/>
+          <a:p>
+            <a:r>
+              <a:rPr lang="ko-KR" altLang="en-US" dirty="0">
+                <a:latin typeface="나눔스퀘어 Light" panose="020B0600000101010101" pitchFamily="50" charset="-127"/>
+                <a:ea typeface="나눔스퀘어 Light" panose="020B0600000101010101" pitchFamily="50" charset="-127"/>
+              </a:rPr>
+              <a:t>앞서 본 문제와 </a:t>
+            </a:r>
+            <a:r>
+              <a:rPr lang="ko-KR" altLang="en-US" dirty="0" err="1">
+                <a:latin typeface="나눔스퀘어 Light" panose="020B0600000101010101" pitchFamily="50" charset="-127"/>
+                <a:ea typeface="나눔스퀘어 Light" panose="020B0600000101010101" pitchFamily="50" charset="-127"/>
+              </a:rPr>
+              <a:t>다를게</a:t>
+            </a:r>
+            <a:r>
+              <a:rPr lang="ko-KR" altLang="en-US" dirty="0">
+                <a:latin typeface="나눔스퀘어 Light" panose="020B0600000101010101" pitchFamily="50" charset="-127"/>
+                <a:ea typeface="나눔스퀘어 Light" panose="020B0600000101010101" pitchFamily="50" charset="-127"/>
+              </a:rPr>
+              <a:t> 없는 문제</a:t>
+            </a:r>
+            <a:r>
+              <a:rPr lang="en-US" altLang="ko-KR" dirty="0">
+                <a:latin typeface="나눔스퀘어 Light" panose="020B0600000101010101" pitchFamily="50" charset="-127"/>
+                <a:ea typeface="나눔스퀘어 Light" panose="020B0600000101010101" pitchFamily="50" charset="-127"/>
+              </a:rPr>
+              <a:t> </a:t>
+            </a:r>
+            <a:r>
+              <a:rPr lang="ko-KR" altLang="en-US" dirty="0">
+                <a:latin typeface="나눔스퀘어 Light" panose="020B0600000101010101" pitchFamily="50" charset="-127"/>
+                <a:ea typeface="나눔스퀘어 Light" panose="020B0600000101010101" pitchFamily="50" charset="-127"/>
+              </a:rPr>
+              <a:t>→ 똑같이 </a:t>
+            </a:r>
+            <a:r>
+              <a:rPr lang="ko-KR" altLang="en-US" dirty="0" err="1">
+                <a:latin typeface="나눔스퀘어 Light" panose="020B0600000101010101" pitchFamily="50" charset="-127"/>
+                <a:ea typeface="나눔스퀘어 Light" panose="020B0600000101010101" pitchFamily="50" charset="-127"/>
+              </a:rPr>
+              <a:t>크루스칼</a:t>
+            </a:r>
+            <a:r>
+              <a:rPr lang="ko-KR" altLang="en-US" dirty="0">
+                <a:latin typeface="나눔스퀘어 Light" panose="020B0600000101010101" pitchFamily="50" charset="-127"/>
+                <a:ea typeface="나눔스퀘어 Light" panose="020B0600000101010101" pitchFamily="50" charset="-127"/>
+              </a:rPr>
+              <a:t> 알고리즘으로 </a:t>
+            </a:r>
+            <a:r>
+              <a:rPr lang="en-US" altLang="ko-KR" dirty="0">
+                <a:latin typeface="나눔스퀘어 Light" panose="020B0600000101010101" pitchFamily="50" charset="-127"/>
+                <a:ea typeface="나눔스퀘어 Light" panose="020B0600000101010101" pitchFamily="50" charset="-127"/>
+              </a:rPr>
+              <a:t>MST</a:t>
+            </a:r>
+            <a:r>
+              <a:rPr lang="ko-KR" altLang="en-US" dirty="0">
+                <a:latin typeface="나눔스퀘어 Light" panose="020B0600000101010101" pitchFamily="50" charset="-127"/>
+                <a:ea typeface="나눔스퀘어 Light" panose="020B0600000101010101" pitchFamily="50" charset="-127"/>
+              </a:rPr>
+              <a:t>를 구성하며 가중치 합을 구함</a:t>
+            </a:r>
+          </a:p>
+        </p:txBody>
+      </p:sp>
+      <p:pic>
+        <p:nvPicPr>
+          <p:cNvPr id="4" name="그림 3">
+            <a:extLst>
+              <a:ext uri="{FF2B5EF4-FFF2-40B4-BE49-F238E27FC236}">
+                <a16:creationId xmlns:a16="http://schemas.microsoft.com/office/drawing/2014/main" id="{A6EC56ED-A3E3-4934-B733-339FEEDD8F39}"/>
+              </a:ext>
+            </a:extLst>
+          </p:cNvPr>
+          <p:cNvPicPr>
+            <a:picLocks noChangeAspect="1"/>
+          </p:cNvPicPr>
+          <p:nvPr/>
+        </p:nvPicPr>
+        <p:blipFill>
+          <a:blip r:embed="rId3"/>
+          <a:stretch>
+            <a:fillRect/>
+          </a:stretch>
+        </p:blipFill>
+        <p:spPr>
+          <a:xfrm>
+            <a:off x="942387" y="1721366"/>
+            <a:ext cx="6361524" cy="5033180"/>
+          </a:xfrm>
+          <a:prstGeom prst="rect">
+            <a:avLst/>
+          </a:prstGeom>
+        </p:spPr>
+      </p:pic>
+      <p:sp>
+        <p:nvSpPr>
+          <p:cNvPr id="9" name="TextBox 8">
+            <a:extLst>
+              <a:ext uri="{FF2B5EF4-FFF2-40B4-BE49-F238E27FC236}">
+                <a16:creationId xmlns:a16="http://schemas.microsoft.com/office/drawing/2014/main" id="{FB9F11A1-2C16-4433-915C-C90F1C90B49E}"/>
+              </a:ext>
+            </a:extLst>
+          </p:cNvPr>
+          <p:cNvSpPr txBox="1"/>
+          <p:nvPr/>
+        </p:nvSpPr>
+        <p:spPr>
+          <a:xfrm>
+            <a:off x="7687733" y="2096153"/>
+            <a:ext cx="3492348" cy="369332"/>
+          </a:xfrm>
+          <a:prstGeom prst="rect">
+            <a:avLst/>
+          </a:prstGeom>
+          <a:noFill/>
+        </p:spPr>
+        <p:txBody>
+          <a:bodyPr wrap="square" rtlCol="0">
+            <a:spAutoFit/>
+          </a:bodyPr>
+          <a:lstStyle/>
+          <a:p>
+            <a:r>
+              <a:rPr lang="ko-KR" altLang="en-US">
+                <a:latin typeface="나눔스퀘어 Light" panose="020B0600000101010101" pitchFamily="50" charset="-127"/>
+                <a:ea typeface="나눔스퀘어 Light" panose="020B0600000101010101" pitchFamily="50" charset="-127"/>
+              </a:rPr>
+              <a:t>간선 클래스를 만듦</a:t>
+            </a:r>
+            <a:endParaRPr lang="ko-KR" altLang="en-US" dirty="0">
+              <a:latin typeface="나눔스퀘어 Light" panose="020B0600000101010101" pitchFamily="50" charset="-127"/>
+              <a:ea typeface="나눔스퀘어 Light" panose="020B0600000101010101" pitchFamily="50" charset="-127"/>
+            </a:endParaRPr>
+          </a:p>
+        </p:txBody>
+      </p:sp>
     </p:spTree>
     <p:extLst>
       <p:ext uri="{BB962C8B-B14F-4D97-AF65-F5344CB8AC3E}">
-        <p14:creationId xmlns:p14="http://schemas.microsoft.com/office/powerpoint/2010/main" val="710096517"/>
+        <p14:creationId xmlns:p14="http://schemas.microsoft.com/office/powerpoint/2010/main" val="901450692"/>
       </p:ext>
     </p:extLst>
   </p:cSld>
@@ -14078,7 +14278,7 @@
         <p:spPr>
           <a:xfrm>
             <a:off x="331694" y="177505"/>
-            <a:ext cx="7693132" cy="523220"/>
+            <a:ext cx="7603363" cy="523220"/>
           </a:xfrm>
           <a:prstGeom prst="rect">
             <a:avLst/>
@@ -14096,14 +14296,14 @@
                 <a:latin typeface="나눔스퀘어 Bold" panose="020B0600000101010101" pitchFamily="50" charset="-127"/>
                 <a:ea typeface="나눔스퀘어 Bold" panose="020B0600000101010101" pitchFamily="50" charset="-127"/>
               </a:rPr>
-              <a:t>Minimum Spanning Tree – 4386 </a:t>
+              <a:t>Minimum Spanning Tree – 1922 </a:t>
             </a:r>
             <a:r>
               <a:rPr lang="ko-KR" altLang="en-US" sz="2800" dirty="0">
                 <a:latin typeface="나눔스퀘어 Bold" panose="020B0600000101010101" pitchFamily="50" charset="-127"/>
                 <a:ea typeface="나눔스퀘어 Bold" panose="020B0600000101010101" pitchFamily="50" charset="-127"/>
               </a:rPr>
-              <a:t>별자리 만들기</a:t>
+              <a:t>네트워크 연결</a:t>
             </a:r>
           </a:p>
         </p:txBody>
@@ -14130,8 +14330,76 @@
         </p:blipFill>
         <p:spPr>
           <a:xfrm>
-            <a:off x="7786668" y="296220"/>
+            <a:off x="7815978" y="296220"/>
             <a:ext cx="238158" cy="285790"/>
+          </a:xfrm>
+          <a:prstGeom prst="rect">
+            <a:avLst/>
+          </a:prstGeom>
+        </p:spPr>
+      </p:pic>
+      <p:sp>
+        <p:nvSpPr>
+          <p:cNvPr id="7" name="TextBox 6">
+            <a:extLst>
+              <a:ext uri="{FF2B5EF4-FFF2-40B4-BE49-F238E27FC236}">
+                <a16:creationId xmlns:a16="http://schemas.microsoft.com/office/drawing/2014/main" id="{79A54275-9CF2-404B-9C10-496314A444C3}"/>
+              </a:ext>
+            </a:extLst>
+          </p:cNvPr>
+          <p:cNvSpPr txBox="1"/>
+          <p:nvPr/>
+        </p:nvSpPr>
+        <p:spPr>
+          <a:xfrm>
+            <a:off x="942387" y="1352034"/>
+            <a:ext cx="10237694" cy="369332"/>
+          </a:xfrm>
+          <a:prstGeom prst="rect">
+            <a:avLst/>
+          </a:prstGeom>
+          <a:noFill/>
+        </p:spPr>
+        <p:txBody>
+          <a:bodyPr wrap="square" rtlCol="0">
+            <a:spAutoFit/>
+          </a:bodyPr>
+          <a:lstStyle/>
+          <a:p>
+            <a:r>
+              <a:rPr lang="ko-KR" altLang="en-US" dirty="0">
+                <a:latin typeface="나눔스퀘어 Light" panose="020B0600000101010101" pitchFamily="50" charset="-127"/>
+                <a:ea typeface="나눔스퀘어 Light" panose="020B0600000101010101" pitchFamily="50" charset="-127"/>
+              </a:rPr>
+              <a:t>간선들을 입력함</a:t>
+            </a:r>
+          </a:p>
+        </p:txBody>
+      </p:sp>
+      <p:pic>
+        <p:nvPicPr>
+          <p:cNvPr id="3" name="그림 2">
+            <a:extLst>
+              <a:ext uri="{FF2B5EF4-FFF2-40B4-BE49-F238E27FC236}">
+                <a16:creationId xmlns:a16="http://schemas.microsoft.com/office/drawing/2014/main" id="{F063301C-0143-487C-ABBA-A396480DA801}"/>
+              </a:ext>
+            </a:extLst>
+          </p:cNvPr>
+          <p:cNvPicPr>
+            <a:picLocks noChangeAspect="1"/>
+          </p:cNvPicPr>
+          <p:nvPr/>
+        </p:nvPicPr>
+        <p:blipFill>
+          <a:blip r:embed="rId3"/>
+          <a:stretch>
+            <a:fillRect/>
+          </a:stretch>
+        </p:blipFill>
+        <p:spPr>
+          <a:xfrm>
+            <a:off x="1011919" y="1721366"/>
+            <a:ext cx="6190376" cy="4114990"/>
           </a:xfrm>
           <a:prstGeom prst="rect">
             <a:avLst/>
@@ -14141,7 +14409,7 @@
     </p:spTree>
     <p:extLst>
       <p:ext uri="{BB962C8B-B14F-4D97-AF65-F5344CB8AC3E}">
-        <p14:creationId xmlns:p14="http://schemas.microsoft.com/office/powerpoint/2010/main" val="2306683549"/>
+        <p14:creationId xmlns:p14="http://schemas.microsoft.com/office/powerpoint/2010/main" val="19294300"/>
       </p:ext>
     </p:extLst>
   </p:cSld>
@@ -14217,7 +14485,7 @@
           <p:cNvPr id="6" name="TextBox 5">
             <a:extLst>
               <a:ext uri="{FF2B5EF4-FFF2-40B4-BE49-F238E27FC236}">
-                <a16:creationId xmlns:a16="http://schemas.microsoft.com/office/drawing/2014/main" id="{908ED9B9-09D3-CFA8-625A-6F9BB9B6BD23}"/>
+                <a16:creationId xmlns:a16="http://schemas.microsoft.com/office/drawing/2014/main" id="{E41F2829-87A0-45BE-BDE2-225724BCA145}"/>
               </a:ext>
             </a:extLst>
           </p:cNvPr>
@@ -14227,7 +14495,7 @@
         <p:spPr>
           <a:xfrm>
             <a:off x="331694" y="177505"/>
-            <a:ext cx="2006190" cy="523220"/>
+            <a:ext cx="7603363" cy="523220"/>
           </a:xfrm>
           <a:prstGeom prst="rect">
             <a:avLst/>
@@ -14245,482 +14513,24 @@
                 <a:latin typeface="나눔스퀘어 Bold" panose="020B0600000101010101" pitchFamily="50" charset="-127"/>
                 <a:ea typeface="나눔스퀘어 Bold" panose="020B0600000101010101" pitchFamily="50" charset="-127"/>
               </a:rPr>
-              <a:t>Homework</a:t>
-            </a:r>
-            <a:endParaRPr lang="ko-KR" altLang="en-US" sz="2800" dirty="0">
-              <a:latin typeface="나눔스퀘어 Bold" panose="020B0600000101010101" pitchFamily="50" charset="-127"/>
-              <a:ea typeface="나눔스퀘어 Bold" panose="020B0600000101010101" pitchFamily="50" charset="-127"/>
-            </a:endParaRPr>
-          </a:p>
-        </p:txBody>
-      </p:sp>
-      <p:sp>
-        <p:nvSpPr>
-          <p:cNvPr id="7" name="TextBox 6">
-            <a:extLst>
-              <a:ext uri="{FF2B5EF4-FFF2-40B4-BE49-F238E27FC236}">
-                <a16:creationId xmlns:a16="http://schemas.microsoft.com/office/drawing/2014/main" id="{DD092523-43DA-0A5F-0C04-8239F4BF07FC}"/>
-              </a:ext>
-            </a:extLst>
-          </p:cNvPr>
-          <p:cNvSpPr txBox="1"/>
-          <p:nvPr/>
-        </p:nvSpPr>
-        <p:spPr>
-          <a:xfrm>
-            <a:off x="942387" y="1661364"/>
-            <a:ext cx="8553305" cy="369332"/>
-          </a:xfrm>
-          <a:prstGeom prst="rect">
-            <a:avLst/>
-          </a:prstGeom>
-          <a:noFill/>
-        </p:spPr>
-        <p:txBody>
-          <a:bodyPr wrap="square" rtlCol="0">
-            <a:spAutoFit/>
-          </a:bodyPr>
-          <a:lstStyle/>
-          <a:p>
-            <a:r>
-              <a:rPr lang="en-US" altLang="ko-KR" dirty="0">
-                <a:latin typeface="나눔스퀘어 Light" panose="020B0600000101010101" pitchFamily="50" charset="-127"/>
-                <a:ea typeface="나눔스퀘어 Light" panose="020B0600000101010101" pitchFamily="50" charset="-127"/>
-              </a:rPr>
-              <a:t>1. 1238 </a:t>
-            </a:r>
-            <a:r>
-              <a:rPr lang="ko-KR" altLang="en-US" dirty="0">
-                <a:latin typeface="나눔스퀘어 Light" panose="020B0600000101010101" pitchFamily="50" charset="-127"/>
-                <a:ea typeface="나눔스퀘어 Light" panose="020B0600000101010101" pitchFamily="50" charset="-127"/>
-              </a:rPr>
-              <a:t>파티</a:t>
-            </a:r>
-          </a:p>
-        </p:txBody>
-      </p:sp>
-      <p:sp>
-        <p:nvSpPr>
-          <p:cNvPr id="8" name="TextBox 7">
-            <a:extLst>
-              <a:ext uri="{FF2B5EF4-FFF2-40B4-BE49-F238E27FC236}">
-                <a16:creationId xmlns:a16="http://schemas.microsoft.com/office/drawing/2014/main" id="{80045CCB-6E92-45F3-05E2-D9718BBAEE86}"/>
-              </a:ext>
-            </a:extLst>
-          </p:cNvPr>
-          <p:cNvSpPr txBox="1"/>
-          <p:nvPr/>
-        </p:nvSpPr>
-        <p:spPr>
-          <a:xfrm>
-            <a:off x="942387" y="2031090"/>
-            <a:ext cx="8553305" cy="369332"/>
-          </a:xfrm>
-          <a:prstGeom prst="rect">
-            <a:avLst/>
-          </a:prstGeom>
-          <a:noFill/>
-        </p:spPr>
-        <p:txBody>
-          <a:bodyPr wrap="square" rtlCol="0">
-            <a:spAutoFit/>
-          </a:bodyPr>
-          <a:lstStyle/>
-          <a:p>
-            <a:r>
-              <a:rPr lang="en-US" altLang="ko-KR" dirty="0">
-                <a:latin typeface="나눔스퀘어 Light" panose="020B0600000101010101" pitchFamily="50" charset="-127"/>
-                <a:ea typeface="나눔스퀘어 Light" panose="020B0600000101010101" pitchFamily="50" charset="-127"/>
-              </a:rPr>
-              <a:t>2. 1504 </a:t>
-            </a:r>
-            <a:r>
-              <a:rPr lang="ko-KR" altLang="en-US" dirty="0">
-                <a:latin typeface="나눔스퀘어 Light" panose="020B0600000101010101" pitchFamily="50" charset="-127"/>
-                <a:ea typeface="나눔스퀘어 Light" panose="020B0600000101010101" pitchFamily="50" charset="-127"/>
-              </a:rPr>
-              <a:t>특정한 최단 경로</a:t>
-            </a:r>
-          </a:p>
-        </p:txBody>
-      </p:sp>
-      <p:sp>
-        <p:nvSpPr>
-          <p:cNvPr id="9" name="TextBox 8">
-            <a:extLst>
-              <a:ext uri="{FF2B5EF4-FFF2-40B4-BE49-F238E27FC236}">
-                <a16:creationId xmlns:a16="http://schemas.microsoft.com/office/drawing/2014/main" id="{F3F091EF-3E70-16E8-983D-D9C14C2EAD61}"/>
-              </a:ext>
-            </a:extLst>
-          </p:cNvPr>
-          <p:cNvSpPr txBox="1"/>
-          <p:nvPr/>
-        </p:nvSpPr>
-        <p:spPr>
-          <a:xfrm>
-            <a:off x="942387" y="1190024"/>
-            <a:ext cx="8553305" cy="369332"/>
-          </a:xfrm>
-          <a:prstGeom prst="rect">
-            <a:avLst/>
-          </a:prstGeom>
-          <a:noFill/>
-        </p:spPr>
-        <p:txBody>
-          <a:bodyPr wrap="square" rtlCol="0">
-            <a:spAutoFit/>
-          </a:bodyPr>
-          <a:lstStyle/>
-          <a:p>
-            <a:r>
-              <a:rPr lang="ko-KR" altLang="en-US" dirty="0">
+              <a:t>Minimum Spanning Tree – 1922 </a:t>
+            </a:r>
+            <a:r>
+              <a:rPr lang="ko-KR" altLang="en-US" sz="2800" dirty="0">
                 <a:latin typeface="나눔스퀘어 Bold" panose="020B0600000101010101" pitchFamily="50" charset="-127"/>
                 <a:ea typeface="나눔스퀘어 Bold" panose="020B0600000101010101" pitchFamily="50" charset="-127"/>
               </a:rPr>
-              <a:t>아래 문제들에 대해 스스로 생각하고 풀어보세요</a:t>
-            </a:r>
-            <a:r>
-              <a:rPr lang="en-US" altLang="ko-KR" dirty="0">
-                <a:latin typeface="나눔스퀘어 Bold" panose="020B0600000101010101" pitchFamily="50" charset="-127"/>
-                <a:ea typeface="나눔스퀘어 Bold" panose="020B0600000101010101" pitchFamily="50" charset="-127"/>
-              </a:rPr>
-              <a:t>.</a:t>
-            </a:r>
-            <a:r>
-              <a:rPr lang="ko-KR" altLang="en-US" dirty="0">
-                <a:latin typeface="나눔스퀘어 Bold" panose="020B0600000101010101" pitchFamily="50" charset="-127"/>
-                <a:ea typeface="나눔스퀘어 Bold" panose="020B0600000101010101" pitchFamily="50" charset="-127"/>
-              </a:rPr>
-              <a:t> </a:t>
-            </a:r>
-            <a:r>
-              <a:rPr lang="en-US" altLang="ko-KR" dirty="0">
-                <a:latin typeface="나눔스퀘어 Bold" panose="020B0600000101010101" pitchFamily="50" charset="-127"/>
-                <a:ea typeface="나눔스퀘어 Bold" panose="020B0600000101010101" pitchFamily="50" charset="-127"/>
-              </a:rPr>
-              <a:t>(</a:t>
-            </a:r>
-            <a:r>
-              <a:rPr lang="ko-KR" altLang="en-US" dirty="0">
-                <a:latin typeface="나눔스퀘어 Bold" panose="020B0600000101010101" pitchFamily="50" charset="-127"/>
-                <a:ea typeface="나눔스퀘어 Bold" panose="020B0600000101010101" pitchFamily="50" charset="-127"/>
-              </a:rPr>
-              <a:t>해설은 따로 진행하진 않겠습니다</a:t>
-            </a:r>
-            <a:r>
-              <a:rPr lang="en-US" altLang="ko-KR" dirty="0">
-                <a:latin typeface="나눔스퀘어 Bold" panose="020B0600000101010101" pitchFamily="50" charset="-127"/>
-                <a:ea typeface="나눔스퀘어 Bold" panose="020B0600000101010101" pitchFamily="50" charset="-127"/>
-              </a:rPr>
-              <a:t>.)</a:t>
-            </a:r>
-            <a:endParaRPr lang="ko-KR" altLang="en-US" dirty="0">
-              <a:latin typeface="나눔스퀘어 Bold" panose="020B0600000101010101" pitchFamily="50" charset="-127"/>
-              <a:ea typeface="나눔스퀘어 Bold" panose="020B0600000101010101" pitchFamily="50" charset="-127"/>
-            </a:endParaRPr>
-          </a:p>
-        </p:txBody>
-      </p:sp>
-      <p:sp>
-        <p:nvSpPr>
-          <p:cNvPr id="2" name="TextBox 1">
-            <a:extLst>
-              <a:ext uri="{FF2B5EF4-FFF2-40B4-BE49-F238E27FC236}">
-                <a16:creationId xmlns:a16="http://schemas.microsoft.com/office/drawing/2014/main" id="{807C3CD1-8E1B-427F-230D-9C7C2837C1F2}"/>
-              </a:ext>
-            </a:extLst>
-          </p:cNvPr>
-          <p:cNvSpPr txBox="1"/>
-          <p:nvPr/>
-        </p:nvSpPr>
-        <p:spPr>
-          <a:xfrm>
-            <a:off x="942387" y="2401227"/>
-            <a:ext cx="8553305" cy="369332"/>
-          </a:xfrm>
-          <a:prstGeom prst="rect">
-            <a:avLst/>
-          </a:prstGeom>
-          <a:noFill/>
-        </p:spPr>
-        <p:txBody>
-          <a:bodyPr wrap="square" rtlCol="0">
-            <a:spAutoFit/>
-          </a:bodyPr>
-          <a:lstStyle/>
-          <a:p>
-            <a:r>
-              <a:rPr lang="en-US" altLang="ko-KR" dirty="0">
-                <a:latin typeface="나눔스퀘어 Light" panose="020B0600000101010101" pitchFamily="50" charset="-127"/>
-                <a:ea typeface="나눔스퀘어 Light" panose="020B0600000101010101" pitchFamily="50" charset="-127"/>
-              </a:rPr>
-              <a:t>3. 1261 </a:t>
-            </a:r>
-            <a:r>
-              <a:rPr lang="ko-KR" altLang="en-US" dirty="0" err="1">
-                <a:latin typeface="나눔스퀘어 Light" panose="020B0600000101010101" pitchFamily="50" charset="-127"/>
-                <a:ea typeface="나눔스퀘어 Light" panose="020B0600000101010101" pitchFamily="50" charset="-127"/>
-              </a:rPr>
-              <a:t>알고스팟</a:t>
-            </a:r>
-            <a:endParaRPr lang="ko-KR" altLang="en-US" dirty="0">
-              <a:latin typeface="나눔스퀘어 Light" panose="020B0600000101010101" pitchFamily="50" charset="-127"/>
-              <a:ea typeface="나눔스퀘어 Light" panose="020B0600000101010101" pitchFamily="50" charset="-127"/>
-            </a:endParaRPr>
-          </a:p>
-        </p:txBody>
-      </p:sp>
-      <p:sp>
-        <p:nvSpPr>
-          <p:cNvPr id="15" name="TextBox 14">
-            <a:extLst>
-              <a:ext uri="{FF2B5EF4-FFF2-40B4-BE49-F238E27FC236}">
-                <a16:creationId xmlns:a16="http://schemas.microsoft.com/office/drawing/2014/main" id="{E5047E6E-1B8F-56C4-3638-635617F6F7C1}"/>
-              </a:ext>
-            </a:extLst>
-          </p:cNvPr>
-          <p:cNvSpPr txBox="1"/>
-          <p:nvPr/>
-        </p:nvSpPr>
-        <p:spPr>
-          <a:xfrm>
-            <a:off x="942387" y="4295125"/>
-            <a:ext cx="10237694" cy="369332"/>
-          </a:xfrm>
-          <a:prstGeom prst="rect">
-            <a:avLst/>
-          </a:prstGeom>
-          <a:noFill/>
-        </p:spPr>
-        <p:txBody>
-          <a:bodyPr wrap="square" rtlCol="0">
-            <a:spAutoFit/>
-          </a:bodyPr>
-          <a:lstStyle/>
-          <a:p>
-            <a:r>
-              <a:rPr lang="ko-KR" altLang="en-US" dirty="0" err="1">
-                <a:latin typeface="나눔스퀘어 Bold" panose="020B0600000101010101" pitchFamily="50" charset="-127"/>
-                <a:ea typeface="나눔스퀘어 Bold" panose="020B0600000101010101" pitchFamily="50" charset="-127"/>
-              </a:rPr>
-              <a:t>다익스트라</a:t>
-            </a:r>
-            <a:r>
-              <a:rPr lang="ko-KR" altLang="en-US" dirty="0">
-                <a:latin typeface="나눔스퀘어 Bold" panose="020B0600000101010101" pitchFamily="50" charset="-127"/>
-                <a:ea typeface="나눔스퀘어 Bold" panose="020B0600000101010101" pitchFamily="50" charset="-127"/>
-              </a:rPr>
-              <a:t> 알고리즘은 한 정점에서 다른 모든 정점으로의 최소 비용을 구할 때 사용할 수 있습니다</a:t>
-            </a:r>
-            <a:r>
-              <a:rPr lang="en-US" altLang="ko-KR" dirty="0">
-                <a:latin typeface="나눔스퀘어 Bold" panose="020B0600000101010101" pitchFamily="50" charset="-127"/>
-                <a:ea typeface="나눔스퀘어 Bold" panose="020B0600000101010101" pitchFamily="50" charset="-127"/>
-              </a:rPr>
-              <a:t>.</a:t>
-            </a:r>
-            <a:endParaRPr lang="ko-KR" altLang="en-US" dirty="0">
-              <a:latin typeface="나눔스퀘어 Bold" panose="020B0600000101010101" pitchFamily="50" charset="-127"/>
-              <a:ea typeface="나눔스퀘어 Bold" panose="020B0600000101010101" pitchFamily="50" charset="-127"/>
-            </a:endParaRPr>
-          </a:p>
-        </p:txBody>
-      </p:sp>
-      <p:sp>
-        <p:nvSpPr>
-          <p:cNvPr id="4" name="TextBox 3">
-            <a:extLst>
-              <a:ext uri="{FF2B5EF4-FFF2-40B4-BE49-F238E27FC236}">
-                <a16:creationId xmlns:a16="http://schemas.microsoft.com/office/drawing/2014/main" id="{CE23CD71-E520-1EA9-739C-3261D9278AD6}"/>
-              </a:ext>
-            </a:extLst>
-          </p:cNvPr>
-          <p:cNvSpPr txBox="1"/>
-          <p:nvPr/>
-        </p:nvSpPr>
-        <p:spPr>
-          <a:xfrm>
-            <a:off x="942387" y="4664453"/>
-            <a:ext cx="10237694" cy="369332"/>
-          </a:xfrm>
-          <a:prstGeom prst="rect">
-            <a:avLst/>
-          </a:prstGeom>
-          <a:noFill/>
-        </p:spPr>
-        <p:txBody>
-          <a:bodyPr wrap="square" rtlCol="0">
-            <a:spAutoFit/>
-          </a:bodyPr>
-          <a:lstStyle/>
-          <a:p>
-            <a:r>
-              <a:rPr lang="ko-KR" altLang="en-US" dirty="0">
-                <a:latin typeface="나눔스퀘어 Bold" panose="020B0600000101010101" pitchFamily="50" charset="-127"/>
-                <a:ea typeface="나눔스퀘어 Bold" panose="020B0600000101010101" pitchFamily="50" charset="-127"/>
-              </a:rPr>
-              <a:t>만약 모든 정점에서 모든 정점으로의 최소 비용을 구해야 한다면 어떻게 </a:t>
-            </a:r>
-            <a:r>
-              <a:rPr lang="ko-KR" altLang="en-US" dirty="0" err="1">
-                <a:latin typeface="나눔스퀘어 Bold" panose="020B0600000101010101" pitchFamily="50" charset="-127"/>
-                <a:ea typeface="나눔스퀘어 Bold" panose="020B0600000101010101" pitchFamily="50" charset="-127"/>
-              </a:rPr>
-              <a:t>해야할까요</a:t>
-            </a:r>
-            <a:r>
-              <a:rPr lang="en-US" altLang="ko-KR" dirty="0">
-                <a:latin typeface="나눔스퀘어 Bold" panose="020B0600000101010101" pitchFamily="50" charset="-127"/>
-                <a:ea typeface="나눔스퀘어 Bold" panose="020B0600000101010101" pitchFamily="50" charset="-127"/>
-              </a:rPr>
-              <a:t>?</a:t>
-            </a:r>
-            <a:endParaRPr lang="ko-KR" altLang="en-US" dirty="0">
-              <a:latin typeface="나눔스퀘어 Bold" panose="020B0600000101010101" pitchFamily="50" charset="-127"/>
-              <a:ea typeface="나눔스퀘어 Bold" panose="020B0600000101010101" pitchFamily="50" charset="-127"/>
-            </a:endParaRPr>
-          </a:p>
-        </p:txBody>
-      </p:sp>
-      <p:sp>
-        <p:nvSpPr>
-          <p:cNvPr id="11" name="TextBox 10">
-            <a:extLst>
-              <a:ext uri="{FF2B5EF4-FFF2-40B4-BE49-F238E27FC236}">
-                <a16:creationId xmlns:a16="http://schemas.microsoft.com/office/drawing/2014/main" id="{6DD15401-BAB6-A2E7-77FA-91032D79FADD}"/>
-              </a:ext>
-            </a:extLst>
-          </p:cNvPr>
-          <p:cNvSpPr txBox="1"/>
-          <p:nvPr/>
-        </p:nvSpPr>
-        <p:spPr>
-          <a:xfrm>
-            <a:off x="942387" y="5033781"/>
-            <a:ext cx="10237694" cy="369332"/>
-          </a:xfrm>
-          <a:prstGeom prst="rect">
-            <a:avLst/>
-          </a:prstGeom>
-          <a:noFill/>
-        </p:spPr>
-        <p:txBody>
-          <a:bodyPr wrap="square" rtlCol="0">
-            <a:spAutoFit/>
-          </a:bodyPr>
-          <a:lstStyle/>
-          <a:p>
-            <a:r>
-              <a:rPr lang="en-US" altLang="ko-KR" dirty="0">
-                <a:latin typeface="나눔스퀘어 Bold" panose="020B0600000101010101" pitchFamily="50" charset="-127"/>
-                <a:ea typeface="나눔스퀘어 Bold" panose="020B0600000101010101" pitchFamily="50" charset="-127"/>
-              </a:rPr>
-              <a:t>(</a:t>
-            </a:r>
-            <a:r>
-              <a:rPr lang="ko-KR" altLang="en-US" dirty="0" err="1">
-                <a:latin typeface="나눔스퀘어 Bold" panose="020B0600000101010101" pitchFamily="50" charset="-127"/>
-                <a:ea typeface="나눔스퀘어 Bold" panose="020B0600000101010101" pitchFamily="50" charset="-127"/>
-              </a:rPr>
-              <a:t>다익스트라</a:t>
-            </a:r>
-            <a:r>
-              <a:rPr lang="ko-KR" altLang="en-US" dirty="0">
-                <a:latin typeface="나눔스퀘어 Bold" panose="020B0600000101010101" pitchFamily="50" charset="-127"/>
-                <a:ea typeface="나눔스퀘어 Bold" panose="020B0600000101010101" pitchFamily="50" charset="-127"/>
-              </a:rPr>
-              <a:t> 알고리즘을 정점 개수 만큼 돌려도 되겠지만</a:t>
-            </a:r>
-            <a:r>
-              <a:rPr lang="en-US" altLang="ko-KR" dirty="0">
-                <a:latin typeface="나눔스퀘어 Bold" panose="020B0600000101010101" pitchFamily="50" charset="-127"/>
-                <a:ea typeface="나눔스퀘어 Bold" panose="020B0600000101010101" pitchFamily="50" charset="-127"/>
-              </a:rPr>
-              <a:t>, </a:t>
-            </a:r>
-            <a:r>
-              <a:rPr lang="ko-KR" altLang="en-US" dirty="0">
-                <a:latin typeface="나눔스퀘어 Bold" panose="020B0600000101010101" pitchFamily="50" charset="-127"/>
-                <a:ea typeface="나눔스퀘어 Bold" panose="020B0600000101010101" pitchFamily="50" charset="-127"/>
-              </a:rPr>
-              <a:t>이보다는 빨리 구하고 싶음</a:t>
-            </a:r>
-            <a:r>
-              <a:rPr lang="en-US" altLang="ko-KR" dirty="0">
-                <a:latin typeface="나눔스퀘어 Bold" panose="020B0600000101010101" pitchFamily="50" charset="-127"/>
-                <a:ea typeface="나눔스퀘어 Bold" panose="020B0600000101010101" pitchFamily="50" charset="-127"/>
-              </a:rPr>
-              <a:t>)</a:t>
-            </a:r>
-            <a:endParaRPr lang="ko-KR" altLang="en-US" dirty="0">
-              <a:latin typeface="나눔스퀘어 Bold" panose="020B0600000101010101" pitchFamily="50" charset="-127"/>
-              <a:ea typeface="나눔스퀘어 Bold" panose="020B0600000101010101" pitchFamily="50" charset="-127"/>
-            </a:endParaRPr>
-          </a:p>
-        </p:txBody>
-      </p:sp>
-      <p:sp>
-        <p:nvSpPr>
-          <p:cNvPr id="13" name="TextBox 12">
-            <a:extLst>
-              <a:ext uri="{FF2B5EF4-FFF2-40B4-BE49-F238E27FC236}">
-                <a16:creationId xmlns:a16="http://schemas.microsoft.com/office/drawing/2014/main" id="{ADE67B37-472D-41D3-D2AA-141A208BD34D}"/>
-              </a:ext>
-            </a:extLst>
-          </p:cNvPr>
-          <p:cNvSpPr txBox="1"/>
-          <p:nvPr/>
-        </p:nvSpPr>
-        <p:spPr>
-          <a:xfrm>
-            <a:off x="942387" y="3138427"/>
-            <a:ext cx="10237694" cy="369332"/>
-          </a:xfrm>
-          <a:prstGeom prst="rect">
-            <a:avLst/>
-          </a:prstGeom>
-          <a:noFill/>
-        </p:spPr>
-        <p:txBody>
-          <a:bodyPr wrap="square" rtlCol="0">
-            <a:spAutoFit/>
-          </a:bodyPr>
-          <a:lstStyle/>
-          <a:p>
-            <a:r>
-              <a:rPr lang="en-US" altLang="ko-KR" dirty="0">
-                <a:latin typeface="나눔스퀘어 Light" panose="020B0600000101010101" pitchFamily="50" charset="-127"/>
-                <a:ea typeface="나눔스퀘어 Light" panose="020B0600000101010101" pitchFamily="50" charset="-127"/>
-              </a:rPr>
-              <a:t>5. 11779 </a:t>
-            </a:r>
-            <a:r>
-              <a:rPr lang="ko-KR" altLang="en-US" dirty="0">
-                <a:latin typeface="나눔스퀘어 Light" panose="020B0600000101010101" pitchFamily="50" charset="-127"/>
-                <a:ea typeface="나눔스퀘어 Light" panose="020B0600000101010101" pitchFamily="50" charset="-127"/>
-              </a:rPr>
-              <a:t>최소비용 구하기 </a:t>
-            </a:r>
-            <a:r>
-              <a:rPr lang="en-US" altLang="ko-KR" dirty="0">
-                <a:latin typeface="나눔스퀘어 Light" panose="020B0600000101010101" pitchFamily="50" charset="-127"/>
-                <a:ea typeface="나눔스퀘어 Light" panose="020B0600000101010101" pitchFamily="50" charset="-127"/>
-              </a:rPr>
-              <a:t>2</a:t>
-            </a:r>
-            <a:endParaRPr lang="ko-KR" altLang="en-US" dirty="0">
-              <a:latin typeface="나눔스퀘어 Light" panose="020B0600000101010101" pitchFamily="50" charset="-127"/>
-              <a:ea typeface="나눔스퀘어 Light" panose="020B0600000101010101" pitchFamily="50" charset="-127"/>
-            </a:endParaRPr>
+              <a:t>네트워크 연결</a:t>
+            </a:r>
           </a:p>
         </p:txBody>
       </p:sp>
       <p:pic>
         <p:nvPicPr>
-          <p:cNvPr id="10" name="그림 9">
-            <a:extLst>
-              <a:ext uri="{FF2B5EF4-FFF2-40B4-BE49-F238E27FC236}">
-                <a16:creationId xmlns:a16="http://schemas.microsoft.com/office/drawing/2014/main" id="{A574EA5B-6989-AB66-DA3F-697A83F745B6}"/>
+          <p:cNvPr id="8" name="그림 7">
+            <a:extLst>
+              <a:ext uri="{FF2B5EF4-FFF2-40B4-BE49-F238E27FC236}">
+                <a16:creationId xmlns:a16="http://schemas.microsoft.com/office/drawing/2014/main" id="{9D7D2798-C020-43A3-8354-B61DED92E02B}"/>
               </a:ext>
             </a:extLst>
           </p:cNvPr>
@@ -14737,20 +14547,65 @@
         </p:blipFill>
         <p:spPr>
           <a:xfrm>
-            <a:off x="2344169" y="1715643"/>
-            <a:ext cx="228632" cy="266737"/>
+            <a:off x="7815978" y="296220"/>
+            <a:ext cx="238158" cy="285790"/>
           </a:xfrm>
           <a:prstGeom prst="rect">
             <a:avLst/>
           </a:prstGeom>
         </p:spPr>
       </p:pic>
+      <p:sp>
+        <p:nvSpPr>
+          <p:cNvPr id="7" name="TextBox 6">
+            <a:extLst>
+              <a:ext uri="{FF2B5EF4-FFF2-40B4-BE49-F238E27FC236}">
+                <a16:creationId xmlns:a16="http://schemas.microsoft.com/office/drawing/2014/main" id="{79A54275-9CF2-404B-9C10-496314A444C3}"/>
+              </a:ext>
+            </a:extLst>
+          </p:cNvPr>
+          <p:cNvSpPr txBox="1"/>
+          <p:nvPr/>
+        </p:nvSpPr>
+        <p:spPr>
+          <a:xfrm>
+            <a:off x="942387" y="1352034"/>
+            <a:ext cx="10237694" cy="369332"/>
+          </a:xfrm>
+          <a:prstGeom prst="rect">
+            <a:avLst/>
+          </a:prstGeom>
+          <a:noFill/>
+        </p:spPr>
+        <p:txBody>
+          <a:bodyPr wrap="square" rtlCol="0">
+            <a:spAutoFit/>
+          </a:bodyPr>
+          <a:lstStyle/>
+          <a:p>
+            <a:r>
+              <a:rPr lang="ko-KR" altLang="en-US" dirty="0" err="1">
+                <a:latin typeface="나눔스퀘어 Light" panose="020B0600000101010101" pitchFamily="50" charset="-127"/>
+                <a:ea typeface="나눔스퀘어 Light" panose="020B0600000101010101" pitchFamily="50" charset="-127"/>
+              </a:rPr>
+              <a:t>크루스칼</a:t>
+            </a:r>
+            <a:r>
+              <a:rPr lang="ko-KR" altLang="en-US" dirty="0">
+                <a:latin typeface="나눔스퀘어 Light" panose="020B0600000101010101" pitchFamily="50" charset="-127"/>
+                <a:ea typeface="나눔스퀘어 Light" panose="020B0600000101010101" pitchFamily="50" charset="-127"/>
+              </a:rPr>
+              <a:t> 알고리즘을 위해 분리 집합 자료구조 클래스를 만듦</a:t>
+            </a:r>
+          </a:p>
+        </p:txBody>
+      </p:sp>
       <p:pic>
         <p:nvPicPr>
-          <p:cNvPr id="14" name="그림 13">
-            <a:extLst>
-              <a:ext uri="{FF2B5EF4-FFF2-40B4-BE49-F238E27FC236}">
-                <a16:creationId xmlns:a16="http://schemas.microsoft.com/office/drawing/2014/main" id="{6E38E605-4B33-B720-1CBB-0E1DC23CA71A}"/>
+          <p:cNvPr id="4" name="그림 3">
+            <a:extLst>
+              <a:ext uri="{FF2B5EF4-FFF2-40B4-BE49-F238E27FC236}">
+                <a16:creationId xmlns:a16="http://schemas.microsoft.com/office/drawing/2014/main" id="{25B59598-C72D-4D59-8F29-042AAA6D3E02}"/>
               </a:ext>
             </a:extLst>
           </p:cNvPr>
@@ -14767,8 +14622,8 @@
         </p:blipFill>
         <p:spPr>
           <a:xfrm>
-            <a:off x="3501302" y="2062758"/>
-            <a:ext cx="238158" cy="285790"/>
+            <a:off x="942387" y="1721366"/>
+            <a:ext cx="5524139" cy="4476234"/>
           </a:xfrm>
           <a:prstGeom prst="rect">
             <a:avLst/>
@@ -14777,10 +14632,280 @@
       </p:pic>
       <p:pic>
         <p:nvPicPr>
-          <p:cNvPr id="17" name="그림 16">
-            <a:extLst>
-              <a:ext uri="{FF2B5EF4-FFF2-40B4-BE49-F238E27FC236}">
-                <a16:creationId xmlns:a16="http://schemas.microsoft.com/office/drawing/2014/main" id="{19C2A1EB-1A48-0DD9-6D16-4DA74E2C48E1}"/>
+          <p:cNvPr id="10" name="그림 9">
+            <a:extLst>
+              <a:ext uri="{FF2B5EF4-FFF2-40B4-BE49-F238E27FC236}">
+                <a16:creationId xmlns:a16="http://schemas.microsoft.com/office/drawing/2014/main" id="{39DD1F6B-2C8B-4BC9-AB1D-0CCB20B216E4}"/>
+              </a:ext>
+            </a:extLst>
+          </p:cNvPr>
+          <p:cNvPicPr>
+            <a:picLocks noChangeAspect="1"/>
+          </p:cNvPicPr>
+          <p:nvPr/>
+        </p:nvPicPr>
+        <p:blipFill>
+          <a:blip r:embed="rId4"/>
+          <a:stretch>
+            <a:fillRect/>
+          </a:stretch>
+        </p:blipFill>
+        <p:spPr>
+          <a:xfrm>
+            <a:off x="6899820" y="1721366"/>
+            <a:ext cx="4280261" cy="4474818"/>
+          </a:xfrm>
+          <a:prstGeom prst="rect">
+            <a:avLst/>
+          </a:prstGeom>
+        </p:spPr>
+      </p:pic>
+    </p:spTree>
+    <p:extLst>
+      <p:ext uri="{BB962C8B-B14F-4D97-AF65-F5344CB8AC3E}">
+        <p14:creationId xmlns:p14="http://schemas.microsoft.com/office/powerpoint/2010/main" val="648774644"/>
+      </p:ext>
+    </p:extLst>
+  </p:cSld>
+  <p:clrMapOvr>
+    <a:masterClrMapping/>
+  </p:clrMapOvr>
+</p:sld>
+</file>
+
+<file path=ppt/slides/slide22.xml><?xml version="1.0" encoding="utf-8"?>
+<p:sld xmlns:a="http://schemas.openxmlformats.org/drawingml/2006/main" xmlns:r="http://schemas.openxmlformats.org/officeDocument/2006/relationships" xmlns:p="http://schemas.openxmlformats.org/presentationml/2006/main">
+  <p:cSld>
+    <p:spTree>
+      <p:nvGrpSpPr>
+        <p:cNvPr id="1" name=""/>
+        <p:cNvGrpSpPr/>
+        <p:nvPr/>
+      </p:nvGrpSpPr>
+      <p:grpSpPr>
+        <a:xfrm>
+          <a:off x="0" y="0"/>
+          <a:ext cx="0" cy="0"/>
+          <a:chOff x="0" y="0"/>
+          <a:chExt cx="0" cy="0"/>
+        </a:xfrm>
+      </p:grpSpPr>
+      <p:cxnSp>
+        <p:nvCxnSpPr>
+          <p:cNvPr id="5" name="직선 연결선 4">
+            <a:extLst>
+              <a:ext uri="{FF2B5EF4-FFF2-40B4-BE49-F238E27FC236}">
+                <a16:creationId xmlns:a16="http://schemas.microsoft.com/office/drawing/2014/main" id="{164C2827-EFCE-69A4-D037-1A218415F568}"/>
+              </a:ext>
+            </a:extLst>
+          </p:cNvPr>
+          <p:cNvCxnSpPr/>
+          <p:nvPr/>
+        </p:nvCxnSpPr>
+        <p:spPr>
+          <a:xfrm>
+            <a:off x="0" y="887505"/>
+            <a:ext cx="10237694" cy="0"/>
+          </a:xfrm>
+          <a:prstGeom prst="line">
+            <a:avLst/>
+          </a:prstGeom>
+          <a:ln w="76200">
+            <a:solidFill>
+              <a:schemeClr val="tx1">
+                <a:lumMod val="75000"/>
+                <a:lumOff val="25000"/>
+              </a:schemeClr>
+            </a:solidFill>
+          </a:ln>
+        </p:spPr>
+        <p:style>
+          <a:lnRef idx="1">
+            <a:schemeClr val="accent1"/>
+          </a:lnRef>
+          <a:fillRef idx="0">
+            <a:schemeClr val="accent1"/>
+          </a:fillRef>
+          <a:effectRef idx="0">
+            <a:schemeClr val="accent1"/>
+          </a:effectRef>
+          <a:fontRef idx="minor">
+            <a:schemeClr val="tx1"/>
+          </a:fontRef>
+        </p:style>
+      </p:cxnSp>
+      <p:sp>
+        <p:nvSpPr>
+          <p:cNvPr id="6" name="TextBox 5">
+            <a:extLst>
+              <a:ext uri="{FF2B5EF4-FFF2-40B4-BE49-F238E27FC236}">
+                <a16:creationId xmlns:a16="http://schemas.microsoft.com/office/drawing/2014/main" id="{E41F2829-87A0-45BE-BDE2-225724BCA145}"/>
+              </a:ext>
+            </a:extLst>
+          </p:cNvPr>
+          <p:cNvSpPr txBox="1"/>
+          <p:nvPr/>
+        </p:nvSpPr>
+        <p:spPr>
+          <a:xfrm>
+            <a:off x="331694" y="177505"/>
+            <a:ext cx="7603363" cy="523220"/>
+          </a:xfrm>
+          <a:prstGeom prst="rect">
+            <a:avLst/>
+          </a:prstGeom>
+          <a:noFill/>
+        </p:spPr>
+        <p:txBody>
+          <a:bodyPr wrap="none" rtlCol="0">
+            <a:spAutoFit/>
+          </a:bodyPr>
+          <a:lstStyle/>
+          <a:p>
+            <a:r>
+              <a:rPr lang="en-US" altLang="ko-KR" sz="2800" dirty="0">
+                <a:latin typeface="나눔스퀘어 Bold" panose="020B0600000101010101" pitchFamily="50" charset="-127"/>
+                <a:ea typeface="나눔스퀘어 Bold" panose="020B0600000101010101" pitchFamily="50" charset="-127"/>
+              </a:rPr>
+              <a:t>Minimum Spanning Tree – 1922 </a:t>
+            </a:r>
+            <a:r>
+              <a:rPr lang="ko-KR" altLang="en-US" sz="2800" dirty="0">
+                <a:latin typeface="나눔스퀘어 Bold" panose="020B0600000101010101" pitchFamily="50" charset="-127"/>
+                <a:ea typeface="나눔스퀘어 Bold" panose="020B0600000101010101" pitchFamily="50" charset="-127"/>
+              </a:rPr>
+              <a:t>네트워크 연결</a:t>
+            </a:r>
+          </a:p>
+        </p:txBody>
+      </p:sp>
+      <p:pic>
+        <p:nvPicPr>
+          <p:cNvPr id="8" name="그림 7">
+            <a:extLst>
+              <a:ext uri="{FF2B5EF4-FFF2-40B4-BE49-F238E27FC236}">
+                <a16:creationId xmlns:a16="http://schemas.microsoft.com/office/drawing/2014/main" id="{9D7D2798-C020-43A3-8354-B61DED92E02B}"/>
+              </a:ext>
+            </a:extLst>
+          </p:cNvPr>
+          <p:cNvPicPr>
+            <a:picLocks noChangeAspect="1"/>
+          </p:cNvPicPr>
+          <p:nvPr/>
+        </p:nvPicPr>
+        <p:blipFill>
+          <a:blip r:embed="rId2"/>
+          <a:stretch>
+            <a:fillRect/>
+          </a:stretch>
+        </p:blipFill>
+        <p:spPr>
+          <a:xfrm>
+            <a:off x="7815978" y="296220"/>
+            <a:ext cx="238158" cy="285790"/>
+          </a:xfrm>
+          <a:prstGeom prst="rect">
+            <a:avLst/>
+          </a:prstGeom>
+        </p:spPr>
+      </p:pic>
+      <p:sp>
+        <p:nvSpPr>
+          <p:cNvPr id="7" name="TextBox 6">
+            <a:extLst>
+              <a:ext uri="{FF2B5EF4-FFF2-40B4-BE49-F238E27FC236}">
+                <a16:creationId xmlns:a16="http://schemas.microsoft.com/office/drawing/2014/main" id="{79A54275-9CF2-404B-9C10-496314A444C3}"/>
+              </a:ext>
+            </a:extLst>
+          </p:cNvPr>
+          <p:cNvSpPr txBox="1"/>
+          <p:nvPr/>
+        </p:nvSpPr>
+        <p:spPr>
+          <a:xfrm>
+            <a:off x="942387" y="1352034"/>
+            <a:ext cx="10237694" cy="369332"/>
+          </a:xfrm>
+          <a:prstGeom prst="rect">
+            <a:avLst/>
+          </a:prstGeom>
+          <a:noFill/>
+        </p:spPr>
+        <p:txBody>
+          <a:bodyPr wrap="square" rtlCol="0">
+            <a:spAutoFit/>
+          </a:bodyPr>
+          <a:lstStyle/>
+          <a:p>
+            <a:r>
+              <a:rPr lang="ko-KR" altLang="en-US" dirty="0">
+                <a:latin typeface="나눔스퀘어 Light" panose="020B0600000101010101" pitchFamily="50" charset="-127"/>
+                <a:ea typeface="나눔스퀘어 Light" panose="020B0600000101010101" pitchFamily="50" charset="-127"/>
+              </a:rPr>
+              <a:t>유니온 </a:t>
+            </a:r>
+            <a:r>
+              <a:rPr lang="ko-KR" altLang="en-US" dirty="0" err="1">
+                <a:latin typeface="나눔스퀘어 Light" panose="020B0600000101010101" pitchFamily="50" charset="-127"/>
+                <a:ea typeface="나눔스퀘어 Light" panose="020B0600000101010101" pitchFamily="50" charset="-127"/>
+              </a:rPr>
+              <a:t>파인드</a:t>
+            </a:r>
+            <a:r>
+              <a:rPr lang="ko-KR" altLang="en-US" dirty="0">
+                <a:latin typeface="나눔스퀘어 Light" panose="020B0600000101010101" pitchFamily="50" charset="-127"/>
+                <a:ea typeface="나눔스퀘어 Light" panose="020B0600000101010101" pitchFamily="50" charset="-127"/>
+              </a:rPr>
+              <a:t> 자료구조를 초기화하고 간선 배열을 </a:t>
+            </a:r>
+            <a:r>
+              <a:rPr lang="en-US" altLang="ko-KR" dirty="0">
+                <a:latin typeface="나눔스퀘어 Light" panose="020B0600000101010101" pitchFamily="50" charset="-127"/>
+                <a:ea typeface="나눔스퀘어 Light" panose="020B0600000101010101" pitchFamily="50" charset="-127"/>
+              </a:rPr>
+              <a:t>(</a:t>
+            </a:r>
+            <a:r>
+              <a:rPr lang="ko-KR" altLang="en-US" dirty="0">
+                <a:latin typeface="나눔스퀘어 Light" panose="020B0600000101010101" pitchFamily="50" charset="-127"/>
+                <a:ea typeface="나눔스퀘어 Light" panose="020B0600000101010101" pitchFamily="50" charset="-127"/>
+              </a:rPr>
+              <a:t>가중치 오름차순</a:t>
+            </a:r>
+            <a:r>
+              <a:rPr lang="en-US" altLang="ko-KR" dirty="0">
+                <a:latin typeface="나눔스퀘어 Light" panose="020B0600000101010101" pitchFamily="50" charset="-127"/>
+                <a:ea typeface="나눔스퀘어 Light" panose="020B0600000101010101" pitchFamily="50" charset="-127"/>
+              </a:rPr>
+              <a:t>) </a:t>
+            </a:r>
+            <a:r>
+              <a:rPr lang="ko-KR" altLang="en-US" dirty="0">
+                <a:latin typeface="나눔스퀘어 Light" panose="020B0600000101010101" pitchFamily="50" charset="-127"/>
+                <a:ea typeface="나눔스퀘어 Light" panose="020B0600000101010101" pitchFamily="50" charset="-127"/>
+              </a:rPr>
+              <a:t>정렬</a:t>
+            </a:r>
+            <a:r>
+              <a:rPr lang="en-US" altLang="ko-KR" dirty="0">
+                <a:latin typeface="나눔스퀘어 Light" panose="020B0600000101010101" pitchFamily="50" charset="-127"/>
+                <a:ea typeface="나눔스퀘어 Light" panose="020B0600000101010101" pitchFamily="50" charset="-127"/>
+              </a:rPr>
+              <a:t>,</a:t>
+            </a:r>
+            <a:endParaRPr lang="ko-KR" altLang="en-US" dirty="0">
+              <a:latin typeface="나눔스퀘어 Light" panose="020B0600000101010101" pitchFamily="50" charset="-127"/>
+              <a:ea typeface="나눔스퀘어 Light" panose="020B0600000101010101" pitchFamily="50" charset="-127"/>
+            </a:endParaRPr>
+          </a:p>
+        </p:txBody>
+      </p:sp>
+      <p:pic>
+        <p:nvPicPr>
+          <p:cNvPr id="3" name="그림 2">
+            <a:extLst>
+              <a:ext uri="{FF2B5EF4-FFF2-40B4-BE49-F238E27FC236}">
+                <a16:creationId xmlns:a16="http://schemas.microsoft.com/office/drawing/2014/main" id="{CE78DEAD-D3CB-4326-93E0-F07A467D6083}"/>
               </a:ext>
             </a:extLst>
           </p:cNvPr>
@@ -14797,8 +14922,8 @@
         </p:blipFill>
         <p:spPr>
           <a:xfrm>
-            <a:off x="2749888" y="2421844"/>
-            <a:ext cx="238158" cy="285790"/>
+            <a:off x="942386" y="2185894"/>
+            <a:ext cx="8310189" cy="3994307"/>
           </a:xfrm>
           <a:prstGeom prst="rect">
             <a:avLst/>
@@ -14807,10 +14932,10 @@
       </p:pic>
       <p:sp>
         <p:nvSpPr>
-          <p:cNvPr id="19" name="TextBox 18">
-            <a:extLst>
-              <a:ext uri="{FF2B5EF4-FFF2-40B4-BE49-F238E27FC236}">
-                <a16:creationId xmlns:a16="http://schemas.microsoft.com/office/drawing/2014/main" id="{54E021EF-EEAD-A03E-5A1E-A3D4535D88A0}"/>
+          <p:cNvPr id="11" name="TextBox 10">
+            <a:extLst>
+              <a:ext uri="{FF2B5EF4-FFF2-40B4-BE49-F238E27FC236}">
+                <a16:creationId xmlns:a16="http://schemas.microsoft.com/office/drawing/2014/main" id="{D5047F09-24B1-428E-BCE7-D5C084A2775A}"/>
               </a:ext>
             </a:extLst>
           </p:cNvPr>
@@ -14819,8 +14944,8 @@
         </p:nvSpPr>
         <p:spPr>
           <a:xfrm>
-            <a:off x="942387" y="2769746"/>
-            <a:ext cx="8553305" cy="369332"/>
+            <a:off x="942387" y="1721366"/>
+            <a:ext cx="10237694" cy="369332"/>
           </a:xfrm>
           <a:prstGeom prst="rect">
             <a:avLst/>
@@ -14834,32 +14959,184 @@
           <a:lstStyle/>
           <a:p>
             <a:r>
-              <a:rPr lang="en-US" altLang="ko-KR" dirty="0">
+              <a:rPr lang="ko-KR" altLang="en-US" dirty="0">
                 <a:latin typeface="나눔스퀘어 Light" panose="020B0600000101010101" pitchFamily="50" charset="-127"/>
                 <a:ea typeface="나눔스퀘어 Light" panose="020B0600000101010101" pitchFamily="50" charset="-127"/>
               </a:rPr>
-              <a:t>4. 14938 </a:t>
+              <a:t>사이클이 발생하지 않는 간선들을 </a:t>
             </a:r>
             <a:r>
               <a:rPr lang="ko-KR" altLang="en-US" dirty="0" err="1">
                 <a:latin typeface="나눔스퀘어 Light" panose="020B0600000101010101" pitchFamily="50" charset="-127"/>
                 <a:ea typeface="나눔스퀘어 Light" panose="020B0600000101010101" pitchFamily="50" charset="-127"/>
               </a:rPr>
-              <a:t>서강그라운드</a:t>
-            </a:r>
-            <a:endParaRPr lang="ko-KR" altLang="en-US" dirty="0">
-              <a:latin typeface="나눔스퀘어 Light" panose="020B0600000101010101" pitchFamily="50" charset="-127"/>
-              <a:ea typeface="나눔스퀘어 Light" panose="020B0600000101010101" pitchFamily="50" charset="-127"/>
-            </a:endParaRPr>
+              <a:t>합쳐나가며</a:t>
+            </a:r>
+            <a:r>
+              <a:rPr lang="ko-KR" altLang="en-US" dirty="0">
+                <a:latin typeface="나눔스퀘어 Light" panose="020B0600000101010101" pitchFamily="50" charset="-127"/>
+                <a:ea typeface="나눔스퀘어 Light" panose="020B0600000101010101" pitchFamily="50" charset="-127"/>
+              </a:rPr>
+              <a:t> 가중치 합을 구함</a:t>
+            </a:r>
+          </a:p>
+        </p:txBody>
+      </p:sp>
+    </p:spTree>
+    <p:extLst>
+      <p:ext uri="{BB962C8B-B14F-4D97-AF65-F5344CB8AC3E}">
+        <p14:creationId xmlns:p14="http://schemas.microsoft.com/office/powerpoint/2010/main" val="2121721952"/>
+      </p:ext>
+    </p:extLst>
+  </p:cSld>
+  <p:clrMapOvr>
+    <a:masterClrMapping/>
+  </p:clrMapOvr>
+</p:sld>
+</file>
+
+<file path=ppt/slides/slide23.xml><?xml version="1.0" encoding="utf-8"?>
+<p:sld xmlns:a="http://schemas.openxmlformats.org/drawingml/2006/main" xmlns:r="http://schemas.openxmlformats.org/officeDocument/2006/relationships" xmlns:p="http://schemas.openxmlformats.org/presentationml/2006/main">
+  <p:cSld>
+    <p:spTree>
+      <p:nvGrpSpPr>
+        <p:cNvPr id="1" name=""/>
+        <p:cNvGrpSpPr/>
+        <p:nvPr/>
+      </p:nvGrpSpPr>
+      <p:grpSpPr>
+        <a:xfrm>
+          <a:off x="0" y="0"/>
+          <a:ext cx="0" cy="0"/>
+          <a:chOff x="0" y="0"/>
+          <a:chExt cx="0" cy="0"/>
+        </a:xfrm>
+      </p:grpSpPr>
+      <p:cxnSp>
+        <p:nvCxnSpPr>
+          <p:cNvPr id="5" name="직선 연결선 4">
+            <a:extLst>
+              <a:ext uri="{FF2B5EF4-FFF2-40B4-BE49-F238E27FC236}">
+                <a16:creationId xmlns:a16="http://schemas.microsoft.com/office/drawing/2014/main" id="{164C2827-EFCE-69A4-D037-1A218415F568}"/>
+              </a:ext>
+            </a:extLst>
+          </p:cNvPr>
+          <p:cNvCxnSpPr/>
+          <p:nvPr/>
+        </p:nvCxnSpPr>
+        <p:spPr>
+          <a:xfrm>
+            <a:off x="0" y="887505"/>
+            <a:ext cx="10237694" cy="0"/>
+          </a:xfrm>
+          <a:prstGeom prst="line">
+            <a:avLst/>
+          </a:prstGeom>
+          <a:ln w="76200">
+            <a:solidFill>
+              <a:schemeClr val="tx1">
+                <a:lumMod val="75000"/>
+                <a:lumOff val="25000"/>
+              </a:schemeClr>
+            </a:solidFill>
+          </a:ln>
+        </p:spPr>
+        <p:style>
+          <a:lnRef idx="1">
+            <a:schemeClr val="accent1"/>
+          </a:lnRef>
+          <a:fillRef idx="0">
+            <a:schemeClr val="accent1"/>
+          </a:fillRef>
+          <a:effectRef idx="0">
+            <a:schemeClr val="accent1"/>
+          </a:effectRef>
+          <a:fontRef idx="minor">
+            <a:schemeClr val="tx1"/>
+          </a:fontRef>
+        </p:style>
+      </p:cxnSp>
+      <p:sp>
+        <p:nvSpPr>
+          <p:cNvPr id="6" name="TextBox 5">
+            <a:extLst>
+              <a:ext uri="{FF2B5EF4-FFF2-40B4-BE49-F238E27FC236}">
+                <a16:creationId xmlns:a16="http://schemas.microsoft.com/office/drawing/2014/main" id="{E41F2829-87A0-45BE-BDE2-225724BCA145}"/>
+              </a:ext>
+            </a:extLst>
+          </p:cNvPr>
+          <p:cNvSpPr txBox="1"/>
+          <p:nvPr/>
+        </p:nvSpPr>
+        <p:spPr>
+          <a:xfrm>
+            <a:off x="331694" y="177505"/>
+            <a:ext cx="7693132" cy="523220"/>
+          </a:xfrm>
+          <a:prstGeom prst="rect">
+            <a:avLst/>
+          </a:prstGeom>
+          <a:noFill/>
+        </p:spPr>
+        <p:txBody>
+          <a:bodyPr wrap="none" rtlCol="0">
+            <a:spAutoFit/>
+          </a:bodyPr>
+          <a:lstStyle/>
+          <a:p>
+            <a:r>
+              <a:rPr lang="en-US" altLang="ko-KR" sz="2800" dirty="0">
+                <a:latin typeface="나눔스퀘어 Bold" panose="020B0600000101010101" pitchFamily="50" charset="-127"/>
+                <a:ea typeface="나눔스퀘어 Bold" panose="020B0600000101010101" pitchFamily="50" charset="-127"/>
+              </a:rPr>
+              <a:t>Minimum Spanning Tree – 1647 </a:t>
+            </a:r>
+            <a:r>
+              <a:rPr lang="ko-KR" altLang="en-US" sz="2800" dirty="0">
+                <a:latin typeface="나눔스퀘어 Bold" panose="020B0600000101010101" pitchFamily="50" charset="-127"/>
+                <a:ea typeface="나눔스퀘어 Bold" panose="020B0600000101010101" pitchFamily="50" charset="-127"/>
+              </a:rPr>
+              <a:t>도시 분할 계획</a:t>
+            </a:r>
           </a:p>
         </p:txBody>
       </p:sp>
       <p:pic>
         <p:nvPicPr>
-          <p:cNvPr id="20" name="그림 19">
-            <a:extLst>
-              <a:ext uri="{FF2B5EF4-FFF2-40B4-BE49-F238E27FC236}">
-                <a16:creationId xmlns:a16="http://schemas.microsoft.com/office/drawing/2014/main" id="{2946A7BA-67CE-3E98-219B-2654B971D9E4}"/>
+          <p:cNvPr id="8" name="그림 7">
+            <a:extLst>
+              <a:ext uri="{FF2B5EF4-FFF2-40B4-BE49-F238E27FC236}">
+                <a16:creationId xmlns:a16="http://schemas.microsoft.com/office/drawing/2014/main" id="{9D7D2798-C020-43A3-8354-B61DED92E02B}"/>
+              </a:ext>
+            </a:extLst>
+          </p:cNvPr>
+          <p:cNvPicPr>
+            <a:picLocks noChangeAspect="1"/>
+          </p:cNvPicPr>
+          <p:nvPr/>
+        </p:nvPicPr>
+        <p:blipFill>
+          <a:blip r:embed="rId2"/>
+          <a:stretch>
+            <a:fillRect/>
+          </a:stretch>
+        </p:blipFill>
+        <p:spPr>
+          <a:xfrm>
+            <a:off x="7905747" y="296220"/>
+            <a:ext cx="238158" cy="285790"/>
+          </a:xfrm>
+          <a:prstGeom prst="rect">
+            <a:avLst/>
+          </a:prstGeom>
+        </p:spPr>
+      </p:pic>
+      <p:pic>
+        <p:nvPicPr>
+          <p:cNvPr id="3" name="그림 2">
+            <a:extLst>
+              <a:ext uri="{FF2B5EF4-FFF2-40B4-BE49-F238E27FC236}">
+                <a16:creationId xmlns:a16="http://schemas.microsoft.com/office/drawing/2014/main" id="{239AB4A4-FB92-4E17-B000-1C4D7AB9F55A}"/>
               </a:ext>
             </a:extLst>
           </p:cNvPr>
@@ -14876,20 +15153,139 @@
         </p:blipFill>
         <p:spPr>
           <a:xfrm>
-            <a:off x="3314236" y="2785965"/>
-            <a:ext cx="238158" cy="285790"/>
+            <a:off x="331694" y="1006220"/>
+            <a:ext cx="10993384" cy="5772956"/>
           </a:xfrm>
           <a:prstGeom prst="rect">
             <a:avLst/>
           </a:prstGeom>
         </p:spPr>
       </p:pic>
+    </p:spTree>
+    <p:extLst>
+      <p:ext uri="{BB962C8B-B14F-4D97-AF65-F5344CB8AC3E}">
+        <p14:creationId xmlns:p14="http://schemas.microsoft.com/office/powerpoint/2010/main" val="710096517"/>
+      </p:ext>
+    </p:extLst>
+  </p:cSld>
+  <p:clrMapOvr>
+    <a:masterClrMapping/>
+  </p:clrMapOvr>
+</p:sld>
+</file>
+
+<file path=ppt/slides/slide24.xml><?xml version="1.0" encoding="utf-8"?>
+<p:sld xmlns:a="http://schemas.openxmlformats.org/drawingml/2006/main" xmlns:r="http://schemas.openxmlformats.org/officeDocument/2006/relationships" xmlns:p="http://schemas.openxmlformats.org/presentationml/2006/main">
+  <p:cSld>
+    <p:spTree>
+      <p:nvGrpSpPr>
+        <p:cNvPr id="1" name=""/>
+        <p:cNvGrpSpPr/>
+        <p:nvPr/>
+      </p:nvGrpSpPr>
+      <p:grpSpPr>
+        <a:xfrm>
+          <a:off x="0" y="0"/>
+          <a:ext cx="0" cy="0"/>
+          <a:chOff x="0" y="0"/>
+          <a:chExt cx="0" cy="0"/>
+        </a:xfrm>
+      </p:grpSpPr>
+      <p:cxnSp>
+        <p:nvCxnSpPr>
+          <p:cNvPr id="5" name="직선 연결선 4">
+            <a:extLst>
+              <a:ext uri="{FF2B5EF4-FFF2-40B4-BE49-F238E27FC236}">
+                <a16:creationId xmlns:a16="http://schemas.microsoft.com/office/drawing/2014/main" id="{164C2827-EFCE-69A4-D037-1A218415F568}"/>
+              </a:ext>
+            </a:extLst>
+          </p:cNvPr>
+          <p:cNvCxnSpPr/>
+          <p:nvPr/>
+        </p:nvCxnSpPr>
+        <p:spPr>
+          <a:xfrm>
+            <a:off x="0" y="887505"/>
+            <a:ext cx="10237694" cy="0"/>
+          </a:xfrm>
+          <a:prstGeom prst="line">
+            <a:avLst/>
+          </a:prstGeom>
+          <a:ln w="76200">
+            <a:solidFill>
+              <a:schemeClr val="tx1">
+                <a:lumMod val="75000"/>
+                <a:lumOff val="25000"/>
+              </a:schemeClr>
+            </a:solidFill>
+          </a:ln>
+        </p:spPr>
+        <p:style>
+          <a:lnRef idx="1">
+            <a:schemeClr val="accent1"/>
+          </a:lnRef>
+          <a:fillRef idx="0">
+            <a:schemeClr val="accent1"/>
+          </a:fillRef>
+          <a:effectRef idx="0">
+            <a:schemeClr val="accent1"/>
+          </a:effectRef>
+          <a:fontRef idx="minor">
+            <a:schemeClr val="tx1"/>
+          </a:fontRef>
+        </p:style>
+      </p:cxnSp>
+      <p:sp>
+        <p:nvSpPr>
+          <p:cNvPr id="6" name="TextBox 5">
+            <a:extLst>
+              <a:ext uri="{FF2B5EF4-FFF2-40B4-BE49-F238E27FC236}">
+                <a16:creationId xmlns:a16="http://schemas.microsoft.com/office/drawing/2014/main" id="{E41F2829-87A0-45BE-BDE2-225724BCA145}"/>
+              </a:ext>
+            </a:extLst>
+          </p:cNvPr>
+          <p:cNvSpPr txBox="1"/>
+          <p:nvPr/>
+        </p:nvSpPr>
+        <p:spPr>
+          <a:xfrm>
+            <a:off x="331694" y="177505"/>
+            <a:ext cx="7693132" cy="523220"/>
+          </a:xfrm>
+          <a:prstGeom prst="rect">
+            <a:avLst/>
+          </a:prstGeom>
+          <a:noFill/>
+        </p:spPr>
+        <p:txBody>
+          <a:bodyPr wrap="none" rtlCol="0">
+            <a:spAutoFit/>
+          </a:bodyPr>
+          <a:lstStyle/>
+          <a:p>
+            <a:r>
+              <a:rPr lang="en-US" altLang="ko-KR" sz="2800" dirty="0">
+                <a:latin typeface="나눔스퀘어 Bold" panose="020B0600000101010101" pitchFamily="50" charset="-127"/>
+                <a:ea typeface="나눔스퀘어 Bold" panose="020B0600000101010101" pitchFamily="50" charset="-127"/>
+              </a:rPr>
+              <a:t>Minimum Spanning Tree – 4386 </a:t>
+            </a:r>
+            <a:r>
+              <a:rPr lang="ko-KR" altLang="en-US" sz="2800" dirty="0">
+                <a:latin typeface="나눔스퀘어 Bold" panose="020B0600000101010101" pitchFamily="50" charset="-127"/>
+                <a:ea typeface="나눔스퀘어 Bold" panose="020B0600000101010101" pitchFamily="50" charset="-127"/>
+              </a:rPr>
+              <a:t>별자리 만들기</a:t>
+            </a:r>
+          </a:p>
+        </p:txBody>
+      </p:sp>
       <p:pic>
         <p:nvPicPr>
-          <p:cNvPr id="21" name="그림 20">
-            <a:extLst>
-              <a:ext uri="{FF2B5EF4-FFF2-40B4-BE49-F238E27FC236}">
-                <a16:creationId xmlns:a16="http://schemas.microsoft.com/office/drawing/2014/main" id="{065B16D7-8E6C-39C7-31D8-0387AADA90B9}"/>
+          <p:cNvPr id="7" name="그림 6">
+            <a:extLst>
+              <a:ext uri="{FF2B5EF4-FFF2-40B4-BE49-F238E27FC236}">
+                <a16:creationId xmlns:a16="http://schemas.microsoft.com/office/drawing/2014/main" id="{3B59DE02-BC1A-46E7-92C2-305F0F6DE5EE}"/>
               </a:ext>
             </a:extLst>
           </p:cNvPr>
@@ -14906,8 +15302,869 @@
         </p:blipFill>
         <p:spPr>
           <a:xfrm>
-            <a:off x="3777168" y="3187788"/>
+            <a:off x="331694" y="1074286"/>
+            <a:ext cx="9392961" cy="4534533"/>
+          </a:xfrm>
+          <a:prstGeom prst="rect">
+            <a:avLst/>
+          </a:prstGeom>
+        </p:spPr>
+      </p:pic>
+      <p:pic>
+        <p:nvPicPr>
+          <p:cNvPr id="10" name="그림 9">
+            <a:extLst>
+              <a:ext uri="{FF2B5EF4-FFF2-40B4-BE49-F238E27FC236}">
+                <a16:creationId xmlns:a16="http://schemas.microsoft.com/office/drawing/2014/main" id="{E49601F1-CFC9-4148-9FE7-FDF95DBA0ABE}"/>
+              </a:ext>
+            </a:extLst>
+          </p:cNvPr>
+          <p:cNvPicPr>
+            <a:picLocks noChangeAspect="1"/>
+          </p:cNvPicPr>
+          <p:nvPr/>
+        </p:nvPicPr>
+        <p:blipFill>
+          <a:blip r:embed="rId3"/>
+          <a:stretch>
+            <a:fillRect/>
+          </a:stretch>
+        </p:blipFill>
+        <p:spPr>
+          <a:xfrm>
+            <a:off x="6182512" y="4760975"/>
+            <a:ext cx="1362265" cy="1695687"/>
+          </a:xfrm>
+          <a:prstGeom prst="rect">
+            <a:avLst/>
+          </a:prstGeom>
+        </p:spPr>
+      </p:pic>
+      <p:pic>
+        <p:nvPicPr>
+          <p:cNvPr id="12" name="그림 11">
+            <a:extLst>
+              <a:ext uri="{FF2B5EF4-FFF2-40B4-BE49-F238E27FC236}">
+                <a16:creationId xmlns:a16="http://schemas.microsoft.com/office/drawing/2014/main" id="{E9B860D7-40EC-4CE0-AD0F-924ED168EB74}"/>
+              </a:ext>
+            </a:extLst>
+          </p:cNvPr>
+          <p:cNvPicPr>
+            <a:picLocks noChangeAspect="1"/>
+          </p:cNvPicPr>
+          <p:nvPr/>
+        </p:nvPicPr>
+        <p:blipFill>
+          <a:blip r:embed="rId4"/>
+          <a:stretch>
+            <a:fillRect/>
+          </a:stretch>
+        </p:blipFill>
+        <p:spPr>
+          <a:xfrm>
+            <a:off x="7786668" y="4760975"/>
+            <a:ext cx="1333686" cy="962159"/>
+          </a:xfrm>
+          <a:prstGeom prst="rect">
+            <a:avLst/>
+          </a:prstGeom>
+        </p:spPr>
+      </p:pic>
+      <p:pic>
+        <p:nvPicPr>
+          <p:cNvPr id="13" name="그림 12">
+            <a:extLst>
+              <a:ext uri="{FF2B5EF4-FFF2-40B4-BE49-F238E27FC236}">
+                <a16:creationId xmlns:a16="http://schemas.microsoft.com/office/drawing/2014/main" id="{286E979C-A2AC-444D-9407-A6C5885AD04F}"/>
+              </a:ext>
+            </a:extLst>
+          </p:cNvPr>
+          <p:cNvPicPr>
+            <a:picLocks noChangeAspect="1"/>
+          </p:cNvPicPr>
+          <p:nvPr/>
+        </p:nvPicPr>
+        <p:blipFill>
+          <a:blip r:embed="rId5"/>
+          <a:stretch>
+            <a:fillRect/>
+          </a:stretch>
+        </p:blipFill>
+        <p:spPr>
+          <a:xfrm>
+            <a:off x="7830061" y="305746"/>
             <a:ext cx="228632" cy="266737"/>
+          </a:xfrm>
+          <a:prstGeom prst="rect">
+            <a:avLst/>
+          </a:prstGeom>
+        </p:spPr>
+      </p:pic>
+    </p:spTree>
+    <p:extLst>
+      <p:ext uri="{BB962C8B-B14F-4D97-AF65-F5344CB8AC3E}">
+        <p14:creationId xmlns:p14="http://schemas.microsoft.com/office/powerpoint/2010/main" val="2306683549"/>
+      </p:ext>
+    </p:extLst>
+  </p:cSld>
+  <p:clrMapOvr>
+    <a:masterClrMapping/>
+  </p:clrMapOvr>
+</p:sld>
+</file>
+
+<file path=ppt/slides/slide25.xml><?xml version="1.0" encoding="utf-8"?>
+<p:sld xmlns:a="http://schemas.openxmlformats.org/drawingml/2006/main" xmlns:r="http://schemas.openxmlformats.org/officeDocument/2006/relationships" xmlns:p="http://schemas.openxmlformats.org/presentationml/2006/main">
+  <p:cSld>
+    <p:spTree>
+      <p:nvGrpSpPr>
+        <p:cNvPr id="1" name=""/>
+        <p:cNvGrpSpPr/>
+        <p:nvPr/>
+      </p:nvGrpSpPr>
+      <p:grpSpPr>
+        <a:xfrm>
+          <a:off x="0" y="0"/>
+          <a:ext cx="0" cy="0"/>
+          <a:chOff x="0" y="0"/>
+          <a:chExt cx="0" cy="0"/>
+        </a:xfrm>
+      </p:grpSpPr>
+      <p:cxnSp>
+        <p:nvCxnSpPr>
+          <p:cNvPr id="5" name="직선 연결선 4">
+            <a:extLst>
+              <a:ext uri="{FF2B5EF4-FFF2-40B4-BE49-F238E27FC236}">
+                <a16:creationId xmlns:a16="http://schemas.microsoft.com/office/drawing/2014/main" id="{164C2827-EFCE-69A4-D037-1A218415F568}"/>
+              </a:ext>
+            </a:extLst>
+          </p:cNvPr>
+          <p:cNvCxnSpPr/>
+          <p:nvPr/>
+        </p:nvCxnSpPr>
+        <p:spPr>
+          <a:xfrm>
+            <a:off x="0" y="887505"/>
+            <a:ext cx="10237694" cy="0"/>
+          </a:xfrm>
+          <a:prstGeom prst="line">
+            <a:avLst/>
+          </a:prstGeom>
+          <a:ln w="76200">
+            <a:solidFill>
+              <a:schemeClr val="tx1">
+                <a:lumMod val="75000"/>
+                <a:lumOff val="25000"/>
+              </a:schemeClr>
+            </a:solidFill>
+          </a:ln>
+        </p:spPr>
+        <p:style>
+          <a:lnRef idx="1">
+            <a:schemeClr val="accent1"/>
+          </a:lnRef>
+          <a:fillRef idx="0">
+            <a:schemeClr val="accent1"/>
+          </a:fillRef>
+          <a:effectRef idx="0">
+            <a:schemeClr val="accent1"/>
+          </a:effectRef>
+          <a:fontRef idx="minor">
+            <a:schemeClr val="tx1"/>
+          </a:fontRef>
+        </p:style>
+      </p:cxnSp>
+      <p:sp>
+        <p:nvSpPr>
+          <p:cNvPr id="6" name="TextBox 5">
+            <a:extLst>
+              <a:ext uri="{FF2B5EF4-FFF2-40B4-BE49-F238E27FC236}">
+                <a16:creationId xmlns:a16="http://schemas.microsoft.com/office/drawing/2014/main" id="{908ED9B9-09D3-CFA8-625A-6F9BB9B6BD23}"/>
+              </a:ext>
+            </a:extLst>
+          </p:cNvPr>
+          <p:cNvSpPr txBox="1"/>
+          <p:nvPr/>
+        </p:nvSpPr>
+        <p:spPr>
+          <a:xfrm>
+            <a:off x="331694" y="177505"/>
+            <a:ext cx="2006190" cy="523220"/>
+          </a:xfrm>
+          <a:prstGeom prst="rect">
+            <a:avLst/>
+          </a:prstGeom>
+          <a:noFill/>
+        </p:spPr>
+        <p:txBody>
+          <a:bodyPr wrap="none" rtlCol="0">
+            <a:spAutoFit/>
+          </a:bodyPr>
+          <a:lstStyle/>
+          <a:p>
+            <a:r>
+              <a:rPr lang="en-US" altLang="ko-KR" sz="2800" dirty="0">
+                <a:latin typeface="나눔스퀘어 Bold" panose="020B0600000101010101" pitchFamily="50" charset="-127"/>
+                <a:ea typeface="나눔스퀘어 Bold" panose="020B0600000101010101" pitchFamily="50" charset="-127"/>
+              </a:rPr>
+              <a:t>Homework</a:t>
+            </a:r>
+            <a:endParaRPr lang="ko-KR" altLang="en-US" sz="2800" dirty="0">
+              <a:latin typeface="나눔스퀘어 Bold" panose="020B0600000101010101" pitchFamily="50" charset="-127"/>
+              <a:ea typeface="나눔스퀘어 Bold" panose="020B0600000101010101" pitchFamily="50" charset="-127"/>
+            </a:endParaRPr>
+          </a:p>
+        </p:txBody>
+      </p:sp>
+      <p:sp>
+        <p:nvSpPr>
+          <p:cNvPr id="7" name="TextBox 6">
+            <a:extLst>
+              <a:ext uri="{FF2B5EF4-FFF2-40B4-BE49-F238E27FC236}">
+                <a16:creationId xmlns:a16="http://schemas.microsoft.com/office/drawing/2014/main" id="{DD092523-43DA-0A5F-0C04-8239F4BF07FC}"/>
+              </a:ext>
+            </a:extLst>
+          </p:cNvPr>
+          <p:cNvSpPr txBox="1"/>
+          <p:nvPr/>
+        </p:nvSpPr>
+        <p:spPr>
+          <a:xfrm>
+            <a:off x="942387" y="1661364"/>
+            <a:ext cx="8553305" cy="369332"/>
+          </a:xfrm>
+          <a:prstGeom prst="rect">
+            <a:avLst/>
+          </a:prstGeom>
+          <a:noFill/>
+        </p:spPr>
+        <p:txBody>
+          <a:bodyPr wrap="square" rtlCol="0">
+            <a:spAutoFit/>
+          </a:bodyPr>
+          <a:lstStyle/>
+          <a:p>
+            <a:r>
+              <a:rPr lang="en-US" altLang="ko-KR" dirty="0">
+                <a:latin typeface="나눔스퀘어 Light" panose="020B0600000101010101" pitchFamily="50" charset="-127"/>
+                <a:ea typeface="나눔스퀘어 Light" panose="020B0600000101010101" pitchFamily="50" charset="-127"/>
+              </a:rPr>
+              <a:t>1. 6497 </a:t>
+            </a:r>
+            <a:r>
+              <a:rPr lang="ko-KR" altLang="en-US" dirty="0">
+                <a:latin typeface="나눔스퀘어 Light" panose="020B0600000101010101" pitchFamily="50" charset="-127"/>
+                <a:ea typeface="나눔스퀘어 Light" panose="020B0600000101010101" pitchFamily="50" charset="-127"/>
+              </a:rPr>
+              <a:t>전력난</a:t>
+            </a:r>
+          </a:p>
+        </p:txBody>
+      </p:sp>
+      <p:sp>
+        <p:nvSpPr>
+          <p:cNvPr id="8" name="TextBox 7">
+            <a:extLst>
+              <a:ext uri="{FF2B5EF4-FFF2-40B4-BE49-F238E27FC236}">
+                <a16:creationId xmlns:a16="http://schemas.microsoft.com/office/drawing/2014/main" id="{80045CCB-6E92-45F3-05E2-D9718BBAEE86}"/>
+              </a:ext>
+            </a:extLst>
+          </p:cNvPr>
+          <p:cNvSpPr txBox="1"/>
+          <p:nvPr/>
+        </p:nvSpPr>
+        <p:spPr>
+          <a:xfrm>
+            <a:off x="942387" y="2031090"/>
+            <a:ext cx="8553305" cy="369332"/>
+          </a:xfrm>
+          <a:prstGeom prst="rect">
+            <a:avLst/>
+          </a:prstGeom>
+          <a:noFill/>
+        </p:spPr>
+        <p:txBody>
+          <a:bodyPr wrap="square" rtlCol="0">
+            <a:spAutoFit/>
+          </a:bodyPr>
+          <a:lstStyle/>
+          <a:p>
+            <a:r>
+              <a:rPr lang="en-US" altLang="ko-KR" dirty="0">
+                <a:latin typeface="나눔스퀘어 Light" panose="020B0600000101010101" pitchFamily="50" charset="-127"/>
+                <a:ea typeface="나눔스퀘어 Light" panose="020B0600000101010101" pitchFamily="50" charset="-127"/>
+              </a:rPr>
+              <a:t>2. 13905 </a:t>
+            </a:r>
+            <a:r>
+              <a:rPr lang="ko-KR" altLang="en-US" dirty="0">
+                <a:latin typeface="나눔스퀘어 Light" panose="020B0600000101010101" pitchFamily="50" charset="-127"/>
+                <a:ea typeface="나눔스퀘어 Light" panose="020B0600000101010101" pitchFamily="50" charset="-127"/>
+              </a:rPr>
+              <a:t>세부</a:t>
+            </a:r>
+          </a:p>
+        </p:txBody>
+      </p:sp>
+      <p:sp>
+        <p:nvSpPr>
+          <p:cNvPr id="9" name="TextBox 8">
+            <a:extLst>
+              <a:ext uri="{FF2B5EF4-FFF2-40B4-BE49-F238E27FC236}">
+                <a16:creationId xmlns:a16="http://schemas.microsoft.com/office/drawing/2014/main" id="{F3F091EF-3E70-16E8-983D-D9C14C2EAD61}"/>
+              </a:ext>
+            </a:extLst>
+          </p:cNvPr>
+          <p:cNvSpPr txBox="1"/>
+          <p:nvPr/>
+        </p:nvSpPr>
+        <p:spPr>
+          <a:xfrm>
+            <a:off x="942387" y="1190024"/>
+            <a:ext cx="8553305" cy="369332"/>
+          </a:xfrm>
+          <a:prstGeom prst="rect">
+            <a:avLst/>
+          </a:prstGeom>
+          <a:noFill/>
+        </p:spPr>
+        <p:txBody>
+          <a:bodyPr wrap="square" rtlCol="0">
+            <a:spAutoFit/>
+          </a:bodyPr>
+          <a:lstStyle/>
+          <a:p>
+            <a:r>
+              <a:rPr lang="ko-KR" altLang="en-US" dirty="0">
+                <a:latin typeface="나눔스퀘어 Bold" panose="020B0600000101010101" pitchFamily="50" charset="-127"/>
+                <a:ea typeface="나눔스퀘어 Bold" panose="020B0600000101010101" pitchFamily="50" charset="-127"/>
+              </a:rPr>
+              <a:t>아래 문제들에 대해 스스로 생각하고 풀어보세요</a:t>
+            </a:r>
+            <a:r>
+              <a:rPr lang="en-US" altLang="ko-KR" dirty="0">
+                <a:latin typeface="나눔스퀘어 Bold" panose="020B0600000101010101" pitchFamily="50" charset="-127"/>
+                <a:ea typeface="나눔스퀘어 Bold" panose="020B0600000101010101" pitchFamily="50" charset="-127"/>
+              </a:rPr>
+              <a:t>.</a:t>
+            </a:r>
+            <a:r>
+              <a:rPr lang="ko-KR" altLang="en-US" dirty="0">
+                <a:latin typeface="나눔스퀘어 Bold" panose="020B0600000101010101" pitchFamily="50" charset="-127"/>
+                <a:ea typeface="나눔스퀘어 Bold" panose="020B0600000101010101" pitchFamily="50" charset="-127"/>
+              </a:rPr>
+              <a:t> </a:t>
+            </a:r>
+            <a:r>
+              <a:rPr lang="en-US" altLang="ko-KR" dirty="0">
+                <a:latin typeface="나눔스퀘어 Bold" panose="020B0600000101010101" pitchFamily="50" charset="-127"/>
+                <a:ea typeface="나눔스퀘어 Bold" panose="020B0600000101010101" pitchFamily="50" charset="-127"/>
+              </a:rPr>
+              <a:t>(</a:t>
+            </a:r>
+            <a:r>
+              <a:rPr lang="ko-KR" altLang="en-US" dirty="0">
+                <a:latin typeface="나눔스퀘어 Bold" panose="020B0600000101010101" pitchFamily="50" charset="-127"/>
+                <a:ea typeface="나눔스퀘어 Bold" panose="020B0600000101010101" pitchFamily="50" charset="-127"/>
+              </a:rPr>
+              <a:t>해설은 따로 진행하진 않겠습니다</a:t>
+            </a:r>
+            <a:r>
+              <a:rPr lang="en-US" altLang="ko-KR" dirty="0">
+                <a:latin typeface="나눔스퀘어 Bold" panose="020B0600000101010101" pitchFamily="50" charset="-127"/>
+                <a:ea typeface="나눔스퀘어 Bold" panose="020B0600000101010101" pitchFamily="50" charset="-127"/>
+              </a:rPr>
+              <a:t>.)</a:t>
+            </a:r>
+            <a:endParaRPr lang="ko-KR" altLang="en-US" dirty="0">
+              <a:latin typeface="나눔스퀘어 Bold" panose="020B0600000101010101" pitchFamily="50" charset="-127"/>
+              <a:ea typeface="나눔스퀘어 Bold" panose="020B0600000101010101" pitchFamily="50" charset="-127"/>
+            </a:endParaRPr>
+          </a:p>
+        </p:txBody>
+      </p:sp>
+      <p:sp>
+        <p:nvSpPr>
+          <p:cNvPr id="2" name="TextBox 1">
+            <a:extLst>
+              <a:ext uri="{FF2B5EF4-FFF2-40B4-BE49-F238E27FC236}">
+                <a16:creationId xmlns:a16="http://schemas.microsoft.com/office/drawing/2014/main" id="{807C3CD1-8E1B-427F-230D-9C7C2837C1F2}"/>
+              </a:ext>
+            </a:extLst>
+          </p:cNvPr>
+          <p:cNvSpPr txBox="1"/>
+          <p:nvPr/>
+        </p:nvSpPr>
+        <p:spPr>
+          <a:xfrm>
+            <a:off x="942387" y="2401227"/>
+            <a:ext cx="8553305" cy="369332"/>
+          </a:xfrm>
+          <a:prstGeom prst="rect">
+            <a:avLst/>
+          </a:prstGeom>
+          <a:noFill/>
+        </p:spPr>
+        <p:txBody>
+          <a:bodyPr wrap="square" rtlCol="0">
+            <a:spAutoFit/>
+          </a:bodyPr>
+          <a:lstStyle/>
+          <a:p>
+            <a:r>
+              <a:rPr lang="en-US" altLang="ko-KR" dirty="0">
+                <a:latin typeface="나눔스퀘어 Light" panose="020B0600000101010101" pitchFamily="50" charset="-127"/>
+                <a:ea typeface="나눔스퀘어 Light" panose="020B0600000101010101" pitchFamily="50" charset="-127"/>
+              </a:rPr>
+              <a:t>3. 14950 </a:t>
+            </a:r>
+            <a:r>
+              <a:rPr lang="ko-KR" altLang="en-US" dirty="0">
+                <a:latin typeface="나눔스퀘어 Light" panose="020B0600000101010101" pitchFamily="50" charset="-127"/>
+                <a:ea typeface="나눔스퀘어 Light" panose="020B0600000101010101" pitchFamily="50" charset="-127"/>
+              </a:rPr>
+              <a:t>정복자</a:t>
+            </a:r>
+          </a:p>
+        </p:txBody>
+      </p:sp>
+      <p:sp>
+        <p:nvSpPr>
+          <p:cNvPr id="15" name="TextBox 14">
+            <a:extLst>
+              <a:ext uri="{FF2B5EF4-FFF2-40B4-BE49-F238E27FC236}">
+                <a16:creationId xmlns:a16="http://schemas.microsoft.com/office/drawing/2014/main" id="{E5047E6E-1B8F-56C4-3638-635617F6F7C1}"/>
+              </a:ext>
+            </a:extLst>
+          </p:cNvPr>
+          <p:cNvSpPr txBox="1"/>
+          <p:nvPr/>
+        </p:nvSpPr>
+        <p:spPr>
+          <a:xfrm>
+            <a:off x="942387" y="4295125"/>
+            <a:ext cx="10237694" cy="369332"/>
+          </a:xfrm>
+          <a:prstGeom prst="rect">
+            <a:avLst/>
+          </a:prstGeom>
+          <a:noFill/>
+        </p:spPr>
+        <p:txBody>
+          <a:bodyPr wrap="square" rtlCol="0">
+            <a:spAutoFit/>
+          </a:bodyPr>
+          <a:lstStyle/>
+          <a:p>
+            <a:r>
+              <a:rPr lang="ko-KR" altLang="en-US" dirty="0">
+                <a:latin typeface="나눔스퀘어 Bold" panose="020B0600000101010101" pitchFamily="50" charset="-127"/>
+                <a:ea typeface="나눔스퀘어 Bold" panose="020B0600000101010101" pitchFamily="50" charset="-127"/>
+              </a:rPr>
+              <a:t>저희가 지금까지 배운 자료구조에서 탐색을 가장 빨리 하는 방법은 정렬된 배열에서의 </a:t>
+            </a:r>
+            <a:r>
+              <a:rPr lang="ko-KR" altLang="en-US" dirty="0" err="1">
+                <a:latin typeface="나눔스퀘어 Bold" panose="020B0600000101010101" pitchFamily="50" charset="-127"/>
+                <a:ea typeface="나눔스퀘어 Bold" panose="020B0600000101010101" pitchFamily="50" charset="-127"/>
+              </a:rPr>
+              <a:t>이진탐색이였습니다</a:t>
+            </a:r>
+            <a:r>
+              <a:rPr lang="en-US" altLang="ko-KR" dirty="0">
+                <a:latin typeface="나눔스퀘어 Bold" panose="020B0600000101010101" pitchFamily="50" charset="-127"/>
+                <a:ea typeface="나눔스퀘어 Bold" panose="020B0600000101010101" pitchFamily="50" charset="-127"/>
+              </a:rPr>
+              <a:t>.</a:t>
+            </a:r>
+            <a:endParaRPr lang="ko-KR" altLang="en-US" dirty="0">
+              <a:latin typeface="나눔스퀘어 Bold" panose="020B0600000101010101" pitchFamily="50" charset="-127"/>
+              <a:ea typeface="나눔스퀘어 Bold" panose="020B0600000101010101" pitchFamily="50" charset="-127"/>
+            </a:endParaRPr>
+          </a:p>
+        </p:txBody>
+      </p:sp>
+      <p:sp>
+        <p:nvSpPr>
+          <p:cNvPr id="4" name="TextBox 3">
+            <a:extLst>
+              <a:ext uri="{FF2B5EF4-FFF2-40B4-BE49-F238E27FC236}">
+                <a16:creationId xmlns:a16="http://schemas.microsoft.com/office/drawing/2014/main" id="{CE23CD71-E520-1EA9-739C-3261D9278AD6}"/>
+              </a:ext>
+            </a:extLst>
+          </p:cNvPr>
+          <p:cNvSpPr txBox="1"/>
+          <p:nvPr/>
+        </p:nvSpPr>
+        <p:spPr>
+          <a:xfrm>
+            <a:off x="942387" y="4664453"/>
+            <a:ext cx="10237694" cy="369332"/>
+          </a:xfrm>
+          <a:prstGeom prst="rect">
+            <a:avLst/>
+          </a:prstGeom>
+          <a:noFill/>
+        </p:spPr>
+        <p:txBody>
+          <a:bodyPr wrap="square" rtlCol="0">
+            <a:spAutoFit/>
+          </a:bodyPr>
+          <a:lstStyle/>
+          <a:p>
+            <a:r>
+              <a:rPr lang="ko-KR" altLang="en-US" dirty="0">
+                <a:latin typeface="나눔스퀘어 Bold" panose="020B0600000101010101" pitchFamily="50" charset="-127"/>
+                <a:ea typeface="나눔스퀘어 Bold" panose="020B0600000101010101" pitchFamily="50" charset="-127"/>
+              </a:rPr>
+              <a:t>이보다 자료의 삽입 </a:t>
+            </a:r>
+            <a:r>
+              <a:rPr lang="en-US" altLang="ko-KR">
+                <a:latin typeface="나눔스퀘어 Bold" panose="020B0600000101010101" pitchFamily="50" charset="-127"/>
+                <a:ea typeface="나눔스퀘어 Bold" panose="020B0600000101010101" pitchFamily="50" charset="-127"/>
+              </a:rPr>
+              <a:t>/ </a:t>
+            </a:r>
+            <a:r>
+              <a:rPr lang="ko-KR" altLang="en-US">
+                <a:latin typeface="나눔스퀘어 Bold" panose="020B0600000101010101" pitchFamily="50" charset="-127"/>
+                <a:ea typeface="나눔스퀘어 Bold" panose="020B0600000101010101" pitchFamily="50" charset="-127"/>
+              </a:rPr>
+              <a:t>검색을 </a:t>
+            </a:r>
+            <a:r>
+              <a:rPr lang="ko-KR" altLang="en-US" dirty="0">
+                <a:latin typeface="나눔스퀘어 Bold" panose="020B0600000101010101" pitchFamily="50" charset="-127"/>
+                <a:ea typeface="나눔스퀘어 Bold" panose="020B0600000101010101" pitchFamily="50" charset="-127"/>
+              </a:rPr>
+              <a:t>더 빨리 하려면 어떻게 해야 할까요</a:t>
+            </a:r>
+            <a:r>
+              <a:rPr lang="en-US" altLang="ko-KR" dirty="0">
+                <a:latin typeface="나눔스퀘어 Bold" panose="020B0600000101010101" pitchFamily="50" charset="-127"/>
+                <a:ea typeface="나눔스퀘어 Bold" panose="020B0600000101010101" pitchFamily="50" charset="-127"/>
+              </a:rPr>
+              <a:t>?</a:t>
+            </a:r>
+            <a:endParaRPr lang="ko-KR" altLang="en-US" dirty="0">
+              <a:latin typeface="나눔스퀘어 Bold" panose="020B0600000101010101" pitchFamily="50" charset="-127"/>
+              <a:ea typeface="나눔스퀘어 Bold" panose="020B0600000101010101" pitchFamily="50" charset="-127"/>
+            </a:endParaRPr>
+          </a:p>
+        </p:txBody>
+      </p:sp>
+      <p:sp>
+        <p:nvSpPr>
+          <p:cNvPr id="11" name="TextBox 10">
+            <a:extLst>
+              <a:ext uri="{FF2B5EF4-FFF2-40B4-BE49-F238E27FC236}">
+                <a16:creationId xmlns:a16="http://schemas.microsoft.com/office/drawing/2014/main" id="{6DD15401-BAB6-A2E7-77FA-91032D79FADD}"/>
+              </a:ext>
+            </a:extLst>
+          </p:cNvPr>
+          <p:cNvSpPr txBox="1"/>
+          <p:nvPr/>
+        </p:nvSpPr>
+        <p:spPr>
+          <a:xfrm>
+            <a:off x="942387" y="5033781"/>
+            <a:ext cx="10237694" cy="369332"/>
+          </a:xfrm>
+          <a:prstGeom prst="rect">
+            <a:avLst/>
+          </a:prstGeom>
+          <a:noFill/>
+        </p:spPr>
+        <p:txBody>
+          <a:bodyPr wrap="square" rtlCol="0">
+            <a:spAutoFit/>
+          </a:bodyPr>
+          <a:lstStyle/>
+          <a:p>
+            <a:r>
+              <a:rPr lang="ko-KR" altLang="en-US" dirty="0">
+                <a:latin typeface="나눔스퀘어 Bold" panose="020B0600000101010101" pitchFamily="50" charset="-127"/>
+                <a:ea typeface="나눔스퀘어 Bold" panose="020B0600000101010101" pitchFamily="50" charset="-127"/>
+              </a:rPr>
+              <a:t>해시</a:t>
+            </a:r>
+            <a:r>
+              <a:rPr lang="en-US" altLang="ko-KR" dirty="0">
+                <a:latin typeface="나눔스퀘어 Bold" panose="020B0600000101010101" pitchFamily="50" charset="-127"/>
+                <a:ea typeface="나눔스퀘어 Bold" panose="020B0600000101010101" pitchFamily="50" charset="-127"/>
+              </a:rPr>
+              <a:t>, </a:t>
+            </a:r>
+            <a:r>
+              <a:rPr lang="ko-KR" altLang="en-US" dirty="0">
+                <a:latin typeface="나눔스퀘어 Bold" panose="020B0600000101010101" pitchFamily="50" charset="-127"/>
+                <a:ea typeface="나눔스퀘어 Bold" panose="020B0600000101010101" pitchFamily="50" charset="-127"/>
+              </a:rPr>
+              <a:t>해시 맵</a:t>
+            </a:r>
+            <a:r>
+              <a:rPr lang="en-US" altLang="ko-KR" dirty="0">
+                <a:latin typeface="나눔스퀘어 Bold" panose="020B0600000101010101" pitchFamily="50" charset="-127"/>
+                <a:ea typeface="나눔스퀘어 Bold" panose="020B0600000101010101" pitchFamily="50" charset="-127"/>
+              </a:rPr>
+              <a:t>/</a:t>
+            </a:r>
+            <a:r>
+              <a:rPr lang="ko-KR" altLang="en-US" dirty="0">
+                <a:latin typeface="나눔스퀘어 Bold" panose="020B0600000101010101" pitchFamily="50" charset="-127"/>
+                <a:ea typeface="나눔스퀘어 Bold" panose="020B0600000101010101" pitchFamily="50" charset="-127"/>
+              </a:rPr>
+              <a:t>테이블 의 개념을 학습하면 좋을 것 같습니다</a:t>
+            </a:r>
+            <a:r>
+              <a:rPr lang="en-US" altLang="ko-KR" dirty="0">
+                <a:latin typeface="나눔스퀘어 Bold" panose="020B0600000101010101" pitchFamily="50" charset="-127"/>
+                <a:ea typeface="나눔스퀘어 Bold" panose="020B0600000101010101" pitchFamily="50" charset="-127"/>
+              </a:rPr>
+              <a:t>.</a:t>
+            </a:r>
+            <a:endParaRPr lang="ko-KR" altLang="en-US" dirty="0">
+              <a:latin typeface="나눔스퀘어 Bold" panose="020B0600000101010101" pitchFamily="50" charset="-127"/>
+              <a:ea typeface="나눔스퀘어 Bold" panose="020B0600000101010101" pitchFamily="50" charset="-127"/>
+            </a:endParaRPr>
+          </a:p>
+        </p:txBody>
+      </p:sp>
+      <p:sp>
+        <p:nvSpPr>
+          <p:cNvPr id="13" name="TextBox 12">
+            <a:extLst>
+              <a:ext uri="{FF2B5EF4-FFF2-40B4-BE49-F238E27FC236}">
+                <a16:creationId xmlns:a16="http://schemas.microsoft.com/office/drawing/2014/main" id="{ADE67B37-472D-41D3-D2AA-141A208BD34D}"/>
+              </a:ext>
+            </a:extLst>
+          </p:cNvPr>
+          <p:cNvSpPr txBox="1"/>
+          <p:nvPr/>
+        </p:nvSpPr>
+        <p:spPr>
+          <a:xfrm>
+            <a:off x="942387" y="3138427"/>
+            <a:ext cx="10237694" cy="369332"/>
+          </a:xfrm>
+          <a:prstGeom prst="rect">
+            <a:avLst/>
+          </a:prstGeom>
+          <a:noFill/>
+        </p:spPr>
+        <p:txBody>
+          <a:bodyPr wrap="square" rtlCol="0">
+            <a:spAutoFit/>
+          </a:bodyPr>
+          <a:lstStyle/>
+          <a:p>
+            <a:r>
+              <a:rPr lang="en-US" altLang="ko-KR" dirty="0">
+                <a:latin typeface="나눔스퀘어 Light" panose="020B0600000101010101" pitchFamily="50" charset="-127"/>
+                <a:ea typeface="나눔스퀘어 Light" panose="020B0600000101010101" pitchFamily="50" charset="-127"/>
+              </a:rPr>
+              <a:t>5. 21924 </a:t>
+            </a:r>
+            <a:r>
+              <a:rPr lang="ko-KR" altLang="en-US" dirty="0">
+                <a:latin typeface="나눔스퀘어 Light" panose="020B0600000101010101" pitchFamily="50" charset="-127"/>
+                <a:ea typeface="나눔스퀘어 Light" panose="020B0600000101010101" pitchFamily="50" charset="-127"/>
+              </a:rPr>
+              <a:t>도시 건설</a:t>
+            </a:r>
+          </a:p>
+        </p:txBody>
+      </p:sp>
+      <p:pic>
+        <p:nvPicPr>
+          <p:cNvPr id="14" name="그림 13">
+            <a:extLst>
+              <a:ext uri="{FF2B5EF4-FFF2-40B4-BE49-F238E27FC236}">
+                <a16:creationId xmlns:a16="http://schemas.microsoft.com/office/drawing/2014/main" id="{6E38E605-4B33-B720-1CBB-0E1DC23CA71A}"/>
+              </a:ext>
+            </a:extLst>
+          </p:cNvPr>
+          <p:cNvPicPr>
+            <a:picLocks noChangeAspect="1"/>
+          </p:cNvPicPr>
+          <p:nvPr/>
+        </p:nvPicPr>
+        <p:blipFill>
+          <a:blip r:embed="rId2"/>
+          <a:stretch>
+            <a:fillRect/>
+          </a:stretch>
+        </p:blipFill>
+        <p:spPr>
+          <a:xfrm>
+            <a:off x="2511730" y="1700071"/>
+            <a:ext cx="238158" cy="285790"/>
+          </a:xfrm>
+          <a:prstGeom prst="rect">
+            <a:avLst/>
+          </a:prstGeom>
+        </p:spPr>
+      </p:pic>
+      <p:pic>
+        <p:nvPicPr>
+          <p:cNvPr id="17" name="그림 16">
+            <a:extLst>
+              <a:ext uri="{FF2B5EF4-FFF2-40B4-BE49-F238E27FC236}">
+                <a16:creationId xmlns:a16="http://schemas.microsoft.com/office/drawing/2014/main" id="{19C2A1EB-1A48-0DD9-6D16-4DA74E2C48E1}"/>
+              </a:ext>
+            </a:extLst>
+          </p:cNvPr>
+          <p:cNvPicPr>
+            <a:picLocks noChangeAspect="1"/>
+          </p:cNvPicPr>
+          <p:nvPr/>
+        </p:nvPicPr>
+        <p:blipFill>
+          <a:blip r:embed="rId2"/>
+          <a:stretch>
+            <a:fillRect/>
+          </a:stretch>
+        </p:blipFill>
+        <p:spPr>
+          <a:xfrm>
+            <a:off x="2651152" y="2421844"/>
+            <a:ext cx="238158" cy="285790"/>
+          </a:xfrm>
+          <a:prstGeom prst="rect">
+            <a:avLst/>
+          </a:prstGeom>
+        </p:spPr>
+      </p:pic>
+      <p:sp>
+        <p:nvSpPr>
+          <p:cNvPr id="19" name="TextBox 18">
+            <a:extLst>
+              <a:ext uri="{FF2B5EF4-FFF2-40B4-BE49-F238E27FC236}">
+                <a16:creationId xmlns:a16="http://schemas.microsoft.com/office/drawing/2014/main" id="{54E021EF-EEAD-A03E-5A1E-A3D4535D88A0}"/>
+              </a:ext>
+            </a:extLst>
+          </p:cNvPr>
+          <p:cNvSpPr txBox="1"/>
+          <p:nvPr/>
+        </p:nvSpPr>
+        <p:spPr>
+          <a:xfrm>
+            <a:off x="942387" y="2769746"/>
+            <a:ext cx="8553305" cy="369332"/>
+          </a:xfrm>
+          <a:prstGeom prst="rect">
+            <a:avLst/>
+          </a:prstGeom>
+          <a:noFill/>
+        </p:spPr>
+        <p:txBody>
+          <a:bodyPr wrap="square" rtlCol="0">
+            <a:spAutoFit/>
+          </a:bodyPr>
+          <a:lstStyle/>
+          <a:p>
+            <a:r>
+              <a:rPr lang="en-US" altLang="ko-KR" dirty="0">
+                <a:latin typeface="나눔스퀘어 Light" panose="020B0600000101010101" pitchFamily="50" charset="-127"/>
+                <a:ea typeface="나눔스퀘어 Light" panose="020B0600000101010101" pitchFamily="50" charset="-127"/>
+              </a:rPr>
+              <a:t>4. 16398 </a:t>
+            </a:r>
+            <a:r>
+              <a:rPr lang="ko-KR" altLang="en-US" dirty="0">
+                <a:latin typeface="나눔스퀘어 Light" panose="020B0600000101010101" pitchFamily="50" charset="-127"/>
+                <a:ea typeface="나눔스퀘어 Light" panose="020B0600000101010101" pitchFamily="50" charset="-127"/>
+              </a:rPr>
+              <a:t>행성 연결</a:t>
+            </a:r>
+          </a:p>
+        </p:txBody>
+      </p:sp>
+      <p:pic>
+        <p:nvPicPr>
+          <p:cNvPr id="20" name="그림 19">
+            <a:extLst>
+              <a:ext uri="{FF2B5EF4-FFF2-40B4-BE49-F238E27FC236}">
+                <a16:creationId xmlns:a16="http://schemas.microsoft.com/office/drawing/2014/main" id="{2946A7BA-67CE-3E98-219B-2654B971D9E4}"/>
+              </a:ext>
+            </a:extLst>
+          </p:cNvPr>
+          <p:cNvPicPr>
+            <a:picLocks noChangeAspect="1"/>
+          </p:cNvPicPr>
+          <p:nvPr/>
+        </p:nvPicPr>
+        <p:blipFill>
+          <a:blip r:embed="rId2"/>
+          <a:stretch>
+            <a:fillRect/>
+          </a:stretch>
+        </p:blipFill>
+        <p:spPr>
+          <a:xfrm>
+            <a:off x="2919124" y="2785965"/>
+            <a:ext cx="238158" cy="285790"/>
+          </a:xfrm>
+          <a:prstGeom prst="rect">
+            <a:avLst/>
+          </a:prstGeom>
+        </p:spPr>
+      </p:pic>
+      <p:pic>
+        <p:nvPicPr>
+          <p:cNvPr id="18" name="그림 17">
+            <a:extLst>
+              <a:ext uri="{FF2B5EF4-FFF2-40B4-BE49-F238E27FC236}">
+                <a16:creationId xmlns:a16="http://schemas.microsoft.com/office/drawing/2014/main" id="{F6E744A1-B3AD-40F1-86C9-B81AA7A9D062}"/>
+              </a:ext>
+            </a:extLst>
+          </p:cNvPr>
+          <p:cNvPicPr>
+            <a:picLocks noChangeAspect="1"/>
+          </p:cNvPicPr>
+          <p:nvPr/>
+        </p:nvPicPr>
+        <p:blipFill>
+          <a:blip r:embed="rId2"/>
+          <a:stretch>
+            <a:fillRect/>
+          </a:stretch>
+        </p:blipFill>
+        <p:spPr>
+          <a:xfrm>
+            <a:off x="2458150" y="2072861"/>
+            <a:ext cx="238158" cy="285790"/>
+          </a:xfrm>
+          <a:prstGeom prst="rect">
+            <a:avLst/>
+          </a:prstGeom>
+        </p:spPr>
+      </p:pic>
+      <p:pic>
+        <p:nvPicPr>
+          <p:cNvPr id="22" name="그림 21">
+            <a:extLst>
+              <a:ext uri="{FF2B5EF4-FFF2-40B4-BE49-F238E27FC236}">
+                <a16:creationId xmlns:a16="http://schemas.microsoft.com/office/drawing/2014/main" id="{21D3F590-F2CF-4FF0-954C-A977749FFFD2}"/>
+              </a:ext>
+            </a:extLst>
+          </p:cNvPr>
+          <p:cNvPicPr>
+            <a:picLocks noChangeAspect="1"/>
+          </p:cNvPicPr>
+          <p:nvPr/>
+        </p:nvPicPr>
+        <p:blipFill>
+          <a:blip r:embed="rId2"/>
+          <a:stretch>
+            <a:fillRect/>
+          </a:stretch>
+        </p:blipFill>
+        <p:spPr>
+          <a:xfrm>
+            <a:off x="2919124" y="3174272"/>
+            <a:ext cx="238158" cy="285790"/>
           </a:xfrm>
           <a:prstGeom prst="rect">
             <a:avLst/>
